--- a/pie-masterclass.pptx
+++ b/pie-masterclass.pptx
@@ -5,7 +5,7 @@
     <p:sldMasterId id="2147483648" r:id="rId1"/>
   </p:sldMasterIdLst>
   <p:notesMasterIdLst>
-    <p:notesMasterId r:id="rId31"/>
+    <p:notesMasterId r:id="rId33"/>
   </p:notesMasterIdLst>
   <p:sldIdLst>
     <p:sldId id="256" r:id="rId2"/>
@@ -18,35 +18,37 @@
     <p:sldId id="405" r:id="rId9"/>
     <p:sldId id="412" r:id="rId10"/>
     <p:sldId id="413" r:id="rId11"/>
-    <p:sldId id="418" r:id="rId12"/>
-    <p:sldId id="419" r:id="rId13"/>
-    <p:sldId id="414" r:id="rId14"/>
-    <p:sldId id="425" r:id="rId15"/>
-    <p:sldId id="426" r:id="rId16"/>
-    <p:sldId id="427" r:id="rId17"/>
-    <p:sldId id="429" r:id="rId18"/>
-    <p:sldId id="428" r:id="rId19"/>
-    <p:sldId id="430" r:id="rId20"/>
-    <p:sldId id="431" r:id="rId21"/>
-    <p:sldId id="406" r:id="rId22"/>
-    <p:sldId id="409" r:id="rId23"/>
-    <p:sldId id="410" r:id="rId24"/>
-    <p:sldId id="416" r:id="rId25"/>
-    <p:sldId id="420" r:id="rId26"/>
-    <p:sldId id="432" r:id="rId27"/>
-    <p:sldId id="421" r:id="rId28"/>
-    <p:sldId id="422" r:id="rId29"/>
-    <p:sldId id="417" r:id="rId30"/>
+    <p:sldId id="434" r:id="rId12"/>
+    <p:sldId id="433" r:id="rId13"/>
+    <p:sldId id="418" r:id="rId14"/>
+    <p:sldId id="419" r:id="rId15"/>
+    <p:sldId id="414" r:id="rId16"/>
+    <p:sldId id="425" r:id="rId17"/>
+    <p:sldId id="426" r:id="rId18"/>
+    <p:sldId id="427" r:id="rId19"/>
+    <p:sldId id="429" r:id="rId20"/>
+    <p:sldId id="428" r:id="rId21"/>
+    <p:sldId id="430" r:id="rId22"/>
+    <p:sldId id="431" r:id="rId23"/>
+    <p:sldId id="406" r:id="rId24"/>
+    <p:sldId id="409" r:id="rId25"/>
+    <p:sldId id="410" r:id="rId26"/>
+    <p:sldId id="416" r:id="rId27"/>
+    <p:sldId id="420" r:id="rId28"/>
+    <p:sldId id="432" r:id="rId29"/>
+    <p:sldId id="421" r:id="rId30"/>
+    <p:sldId id="422" r:id="rId31"/>
+    <p:sldId id="417" r:id="rId32"/>
   </p:sldIdLst>
   <p:sldSz cx="18288000" cy="10287000"/>
   <p:notesSz cx="6858000" cy="9144000"/>
   <p:embeddedFontLst>
     <p:embeddedFont>
       <p:font typeface="Consolas" panose="020B0609020204030204" pitchFamily="49" charset="0"/>
-      <p:regular r:id="rId32"/>
-      <p:bold r:id="rId33"/>
-      <p:italic r:id="rId34"/>
-      <p:boldItalic r:id="rId35"/>
+      <p:regular r:id="rId34"/>
+      <p:bold r:id="rId35"/>
+      <p:italic r:id="rId36"/>
+      <p:boldItalic r:id="rId37"/>
     </p:embeddedFont>
   </p:embeddedFontLst>
   <p:defaultTextStyle>
@@ -727,7 +729,7 @@
           <a:p>
             <a:fld id="{1300335D-9F13-4B80-ADC5-B0EA3E10FF6B}" type="slidenum">
               <a:rPr lang="en-US" smtClean="0"/>
-              <a:t>20</a:t>
+              <a:t>22</a:t>
             </a:fld>
             <a:endParaRPr lang="en-US"/>
           </a:p>
@@ -835,7 +837,7 @@
           <a:p>
             <a:fld id="{1300335D-9F13-4B80-ADC5-B0EA3E10FF6B}" type="slidenum">
               <a:rPr lang="en-US" smtClean="0"/>
-              <a:t>22</a:t>
+              <a:t>24</a:t>
             </a:fld>
             <a:endParaRPr lang="en-US"/>
           </a:p>
@@ -943,7 +945,7 @@
           <a:p>
             <a:fld id="{1300335D-9F13-4B80-ADC5-B0EA3E10FF6B}" type="slidenum">
               <a:rPr lang="en-US" smtClean="0"/>
-              <a:t>23</a:t>
+              <a:t>25</a:t>
             </a:fld>
             <a:endParaRPr lang="en-US"/>
           </a:p>
@@ -1075,7 +1077,7 @@
           <a:p>
             <a:fld id="{1300335D-9F13-4B80-ADC5-B0EA3E10FF6B}" type="slidenum">
               <a:rPr lang="en-US" smtClean="0"/>
-              <a:t>26</a:t>
+              <a:t>28</a:t>
             </a:fld>
             <a:endParaRPr lang="en-US"/>
           </a:p>
@@ -1207,7 +1209,7 @@
           <a:p>
             <a:fld id="{1300335D-9F13-4B80-ADC5-B0EA3E10FF6B}" type="slidenum">
               <a:rPr lang="en-US" smtClean="0"/>
-              <a:t>27</a:t>
+              <a:t>29</a:t>
             </a:fld>
             <a:endParaRPr lang="en-US"/>
           </a:p>
@@ -1339,7 +1341,7 @@
           <a:p>
             <a:fld id="{1300335D-9F13-4B80-ADC5-B0EA3E10FF6B}" type="slidenum">
               <a:rPr lang="en-US" smtClean="0"/>
-              <a:t>28</a:t>
+              <a:t>30</a:t>
             </a:fld>
             <a:endParaRPr lang="en-US"/>
           </a:p>
@@ -1927,7 +1929,7 @@
           <a:p>
             <a:fld id="{1300335D-9F13-4B80-ADC5-B0EA3E10FF6B}" type="slidenum">
               <a:rPr lang="en-US" smtClean="0"/>
-              <a:t>11</a:t>
+              <a:t>13</a:t>
             </a:fld>
             <a:endParaRPr lang="en-US"/>
           </a:p>
@@ -2059,7 +2061,7 @@
           <a:p>
             <a:fld id="{1300335D-9F13-4B80-ADC5-B0EA3E10FF6B}" type="slidenum">
               <a:rPr lang="en-US" smtClean="0"/>
-              <a:t>12</a:t>
+              <a:t>14</a:t>
             </a:fld>
             <a:endParaRPr lang="en-US"/>
           </a:p>
@@ -2191,7 +2193,7 @@
           <a:p>
             <a:fld id="{1300335D-9F13-4B80-ADC5-B0EA3E10FF6B}" type="slidenum">
               <a:rPr lang="en-US" smtClean="0"/>
-              <a:t>18</a:t>
+              <a:t>20</a:t>
             </a:fld>
             <a:endParaRPr lang="en-US"/>
           </a:p>
@@ -2323,7 +2325,7 @@
           <a:p>
             <a:fld id="{1300335D-9F13-4B80-ADC5-B0EA3E10FF6B}" type="slidenum">
               <a:rPr lang="en-US" smtClean="0"/>
-              <a:t>19</a:t>
+              <a:t>21</a:t>
             </a:fld>
             <a:endParaRPr lang="en-US"/>
           </a:p>
@@ -5485,7 +5487,7 @@
         <p:spPr>
           <a:xfrm>
             <a:off x="260431" y="329879"/>
-            <a:ext cx="8906720" cy="8950655"/>
+            <a:ext cx="8906720" cy="8027326"/>
           </a:xfrm>
           <a:prstGeom prst="rect">
             <a:avLst/>
@@ -5505,7 +5507,7 @@
                 </a:solidFill>
                 <a:latin typeface="Pragmatica" panose="020B0403040502020204" pitchFamily="34" charset="0"/>
               </a:rPr>
-              <a:t>From “that’s hard in Excel” to “that’s easy in Python” analysis EXERCISE</a:t>
+              <a:t>Analyzing data with Python in Excel exercises</a:t>
             </a:r>
           </a:p>
           <a:p>
@@ -5635,7 +5637,7 @@
                 <a:latin typeface="Consolas" panose="020B0609020204030204" pitchFamily="49" charset="0"/>
                 <a:sym typeface="Consolas"/>
               </a:rPr>
-              <a:t>hard-excel-easy-python-analysis-exercise.xlsx</a:t>
+              <a:t>analyzing-data-with-python-in-excel-exercise.xlsx</a:t>
             </a:r>
             <a:endParaRPr lang="en-US" sz="6000" dirty="0">
               <a:solidFill>
@@ -5668,6 +5670,316 @@
 </file>
 
 <file path=ppt/slides/slide11.xml><?xml version="1.0" encoding="utf-8"?>
+<p:sld xmlns:a="http://schemas.openxmlformats.org/drawingml/2006/main" xmlns:r="http://schemas.openxmlformats.org/officeDocument/2006/relationships" xmlns:p="http://schemas.openxmlformats.org/presentationml/2006/main">
+  <p:cSld>
+    <p:spTree>
+      <p:nvGrpSpPr>
+        <p:cNvPr id="1" name="">
+          <a:extLst>
+            <a:ext uri="{FF2B5EF4-FFF2-40B4-BE49-F238E27FC236}">
+              <a16:creationId xmlns:a16="http://schemas.microsoft.com/office/drawing/2014/main" id="{F61AC019-8AE5-D604-637D-2616F9570009}"/>
+            </a:ext>
+          </a:extLst>
+        </p:cNvPr>
+        <p:cNvGrpSpPr/>
+        <p:nvPr/>
+      </p:nvGrpSpPr>
+      <p:grpSpPr>
+        <a:xfrm>
+          <a:off x="0" y="0"/>
+          <a:ext cx="0" cy="0"/>
+          <a:chOff x="0" y="0"/>
+          <a:chExt cx="0" cy="0"/>
+        </a:xfrm>
+      </p:grpSpPr>
+      <p:pic>
+        <p:nvPicPr>
+          <p:cNvPr id="10" name="Picture 9">
+            <a:extLst>
+              <a:ext uri="{FF2B5EF4-FFF2-40B4-BE49-F238E27FC236}">
+                <a16:creationId xmlns:a16="http://schemas.microsoft.com/office/drawing/2014/main" id="{F715A3EF-31FB-8847-2431-D18DCD629FDA}"/>
+              </a:ext>
+            </a:extLst>
+          </p:cNvPr>
+          <p:cNvPicPr>
+            <a:picLocks noChangeAspect="1"/>
+          </p:cNvPicPr>
+          <p:nvPr/>
+        </p:nvPicPr>
+        <p:blipFill rotWithShape="1">
+          <a:blip r:embed="rId2">
+            <a:extLst>
+              <a:ext uri="{28A0092B-C50C-407E-A947-70E740481C1C}">
+                <a14:useLocalDpi xmlns:a14="http://schemas.microsoft.com/office/drawing/2010/main" val="0"/>
+              </a:ext>
+            </a:extLst>
+          </a:blip>
+          <a:srcRect l="50728" t="56371"/>
+          <a:stretch/>
+        </p:blipFill>
+        <p:spPr>
+          <a:xfrm>
+            <a:off x="12204691" y="3316148"/>
+            <a:ext cx="6083309" cy="6970854"/>
+          </a:xfrm>
+          <a:prstGeom prst="rect">
+            <a:avLst/>
+          </a:prstGeom>
+        </p:spPr>
+      </p:pic>
+      <p:pic>
+        <p:nvPicPr>
+          <p:cNvPr id="4" name="Picture 3">
+            <a:extLst>
+              <a:ext uri="{FF2B5EF4-FFF2-40B4-BE49-F238E27FC236}">
+                <a16:creationId xmlns:a16="http://schemas.microsoft.com/office/drawing/2014/main" id="{78920083-EE78-2637-5B2F-15F3E5644833}"/>
+              </a:ext>
+            </a:extLst>
+          </p:cNvPr>
+          <p:cNvPicPr>
+            <a:picLocks noChangeAspect="1"/>
+          </p:cNvPicPr>
+          <p:nvPr/>
+        </p:nvPicPr>
+        <p:blipFill>
+          <a:blip r:embed="rId3">
+            <a:extLst>
+              <a:ext uri="{28A0092B-C50C-407E-A947-70E740481C1C}">
+                <a14:useLocalDpi xmlns:a14="http://schemas.microsoft.com/office/drawing/2010/main" val="0"/>
+              </a:ext>
+            </a:extLst>
+          </a:blip>
+          <a:stretch>
+            <a:fillRect/>
+          </a:stretch>
+        </p:blipFill>
+        <p:spPr>
+          <a:xfrm>
+            <a:off x="-807744" y="-3724155"/>
+            <a:ext cx="15257208" cy="11189825"/>
+          </a:xfrm>
+          <a:prstGeom prst="rect">
+            <a:avLst/>
+          </a:prstGeom>
+        </p:spPr>
+      </p:pic>
+      <p:sp>
+        <p:nvSpPr>
+          <p:cNvPr id="11" name="TextBox 10">
+            <a:extLst>
+              <a:ext uri="{FF2B5EF4-FFF2-40B4-BE49-F238E27FC236}">
+                <a16:creationId xmlns:a16="http://schemas.microsoft.com/office/drawing/2014/main" id="{9C9AC303-777B-2A30-D86B-1593AF481711}"/>
+              </a:ext>
+            </a:extLst>
+          </p:cNvPr>
+          <p:cNvSpPr txBox="1"/>
+          <p:nvPr/>
+        </p:nvSpPr>
+        <p:spPr>
+          <a:xfrm>
+            <a:off x="486137" y="2531318"/>
+            <a:ext cx="11979797" cy="923330"/>
+          </a:xfrm>
+          <a:prstGeom prst="rect">
+            <a:avLst/>
+          </a:prstGeom>
+          <a:noFill/>
+        </p:spPr>
+        <p:txBody>
+          <a:bodyPr wrap="square" rtlCol="0">
+            <a:spAutoFit/>
+          </a:bodyPr>
+          <a:lstStyle/>
+          <a:p>
+            <a:r>
+              <a:rPr lang="en-US" sz="5400" b="1" dirty="0">
+                <a:solidFill>
+                  <a:srgbClr val="CF3338"/>
+                </a:solidFill>
+                <a:latin typeface="Pragmatica" panose="020B0403040502020204" pitchFamily="34" charset="0"/>
+              </a:rPr>
+              <a:t>Questions?</a:t>
+            </a:r>
+          </a:p>
+        </p:txBody>
+      </p:sp>
+      <p:pic>
+        <p:nvPicPr>
+          <p:cNvPr id="5" name="Picture 4">
+            <a:extLst>
+              <a:ext uri="{FF2B5EF4-FFF2-40B4-BE49-F238E27FC236}">
+                <a16:creationId xmlns:a16="http://schemas.microsoft.com/office/drawing/2014/main" id="{4CAF7464-4019-530D-259C-CC8639779A12}"/>
+              </a:ext>
+            </a:extLst>
+          </p:cNvPr>
+          <p:cNvPicPr>
+            <a:picLocks noChangeAspect="1"/>
+          </p:cNvPicPr>
+          <p:nvPr/>
+        </p:nvPicPr>
+        <p:blipFill>
+          <a:blip r:embed="rId4">
+            <a:extLst>
+              <a:ext uri="{28A0092B-C50C-407E-A947-70E740481C1C}">
+                <a14:useLocalDpi xmlns:a14="http://schemas.microsoft.com/office/drawing/2010/main" val="0"/>
+              </a:ext>
+            </a:extLst>
+          </a:blip>
+          <a:srcRect/>
+          <a:stretch/>
+        </p:blipFill>
+        <p:spPr>
+          <a:xfrm>
+            <a:off x="12204691" y="3317239"/>
+            <a:ext cx="6083309" cy="6968672"/>
+          </a:xfrm>
+          <a:prstGeom prst="rect">
+            <a:avLst/>
+          </a:prstGeom>
+        </p:spPr>
+      </p:pic>
+    </p:spTree>
+    <p:extLst>
+      <p:ext uri="{BB962C8B-B14F-4D97-AF65-F5344CB8AC3E}">
+        <p14:creationId xmlns:p14="http://schemas.microsoft.com/office/powerpoint/2010/main" val="1074586636"/>
+      </p:ext>
+    </p:extLst>
+  </p:cSld>
+  <p:clrMapOvr>
+    <a:masterClrMapping/>
+  </p:clrMapOvr>
+</p:sld>
+</file>
+
+<file path=ppt/slides/slide12.xml><?xml version="1.0" encoding="utf-8"?>
+<p:sld xmlns:a="http://schemas.openxmlformats.org/drawingml/2006/main" xmlns:r="http://schemas.openxmlformats.org/officeDocument/2006/relationships" xmlns:p="http://schemas.openxmlformats.org/presentationml/2006/main">
+  <p:cSld>
+    <p:spTree>
+      <p:nvGrpSpPr>
+        <p:cNvPr id="1" name="">
+          <a:extLst>
+            <a:ext uri="{FF2B5EF4-FFF2-40B4-BE49-F238E27FC236}">
+              <a16:creationId xmlns:a16="http://schemas.microsoft.com/office/drawing/2014/main" id="{5DCDA6EB-739B-C09A-0D70-F35ACBE978B1}"/>
+            </a:ext>
+          </a:extLst>
+        </p:cNvPr>
+        <p:cNvGrpSpPr/>
+        <p:nvPr/>
+      </p:nvGrpSpPr>
+      <p:grpSpPr>
+        <a:xfrm>
+          <a:off x="0" y="0"/>
+          <a:ext cx="0" cy="0"/>
+          <a:chOff x="0" y="0"/>
+          <a:chExt cx="0" cy="0"/>
+        </a:xfrm>
+      </p:grpSpPr>
+      <p:sp>
+        <p:nvSpPr>
+          <p:cNvPr id="4" name="Rectangle 3">
+            <a:extLst>
+              <a:ext uri="{FF2B5EF4-FFF2-40B4-BE49-F238E27FC236}">
+                <a16:creationId xmlns:a16="http://schemas.microsoft.com/office/drawing/2014/main" id="{3C6B637A-3F87-E02B-C1BF-F9344E5D21D1}"/>
+              </a:ext>
+            </a:extLst>
+          </p:cNvPr>
+          <p:cNvSpPr/>
+          <p:nvPr/>
+        </p:nvSpPr>
+        <p:spPr>
+          <a:xfrm>
+            <a:off x="0" y="0"/>
+            <a:ext cx="18288000" cy="10287000"/>
+          </a:xfrm>
+          <a:prstGeom prst="rect">
+            <a:avLst/>
+          </a:prstGeom>
+          <a:solidFill>
+            <a:srgbClr val="CF3338"/>
+          </a:solidFill>
+          <a:ln>
+            <a:noFill/>
+          </a:ln>
+        </p:spPr>
+        <p:style>
+          <a:lnRef idx="2">
+            <a:schemeClr val="accent1">
+              <a:shade val="50000"/>
+            </a:schemeClr>
+          </a:lnRef>
+          <a:fillRef idx="1">
+            <a:schemeClr val="accent1"/>
+          </a:fillRef>
+          <a:effectRef idx="0">
+            <a:schemeClr val="accent1"/>
+          </a:effectRef>
+          <a:fontRef idx="minor">
+            <a:schemeClr val="lt1"/>
+          </a:fontRef>
+        </p:style>
+        <p:txBody>
+          <a:bodyPr rtlCol="0" anchor="ctr"/>
+          <a:lstStyle/>
+          <a:p>
+            <a:pPr algn="ctr"/>
+            <a:endParaRPr lang="en-US" sz="2700"/>
+          </a:p>
+        </p:txBody>
+      </p:sp>
+      <p:sp>
+        <p:nvSpPr>
+          <p:cNvPr id="5" name="TextBox 4">
+            <a:extLst>
+              <a:ext uri="{FF2B5EF4-FFF2-40B4-BE49-F238E27FC236}">
+                <a16:creationId xmlns:a16="http://schemas.microsoft.com/office/drawing/2014/main" id="{66A61657-7229-C046-86D6-59A7A05CA801}"/>
+              </a:ext>
+            </a:extLst>
+          </p:cNvPr>
+          <p:cNvSpPr txBox="1"/>
+          <p:nvPr/>
+        </p:nvSpPr>
+        <p:spPr>
+          <a:xfrm>
+            <a:off x="781292" y="590309"/>
+            <a:ext cx="15486926" cy="3139321"/>
+          </a:xfrm>
+          <a:prstGeom prst="rect">
+            <a:avLst/>
+          </a:prstGeom>
+          <a:noFill/>
+        </p:spPr>
+        <p:txBody>
+          <a:bodyPr wrap="square" rtlCol="0">
+            <a:spAutoFit/>
+          </a:bodyPr>
+          <a:lstStyle/>
+          <a:p>
+            <a:r>
+              <a:rPr lang="en-US" sz="9900" b="1" dirty="0">
+                <a:solidFill>
+                  <a:schemeClr val="bg1"/>
+                </a:solidFill>
+                <a:latin typeface="Normafixed Tryout" panose="00000409000000000000" pitchFamily="49" charset="0"/>
+              </a:rPr>
+              <a:t>2. Visualizing data with Python in Excel</a:t>
+            </a:r>
+          </a:p>
+        </p:txBody>
+      </p:sp>
+    </p:spTree>
+    <p:extLst>
+      <p:ext uri="{BB962C8B-B14F-4D97-AF65-F5344CB8AC3E}">
+        <p14:creationId xmlns:p14="http://schemas.microsoft.com/office/powerpoint/2010/main" val="1090764043"/>
+      </p:ext>
+    </p:extLst>
+  </p:cSld>
+  <p:clrMapOvr>
+    <a:masterClrMapping/>
+  </p:clrMapOvr>
+</p:sld>
+</file>
+
+<file path=ppt/slides/slide13.xml><?xml version="1.0" encoding="utf-8"?>
 <p:sld xmlns:a="http://schemas.openxmlformats.org/drawingml/2006/main" xmlns:r="http://schemas.openxmlformats.org/officeDocument/2006/relationships" xmlns:p="http://schemas.openxmlformats.org/presentationml/2006/main">
   <p:cSld>
     <p:spTree>
@@ -5792,7 +6104,7 @@
         <p:spPr>
           <a:xfrm>
             <a:off x="260431" y="329879"/>
-            <a:ext cx="8906720" cy="10234084"/>
+            <a:ext cx="8906720" cy="9310754"/>
           </a:xfrm>
           <a:prstGeom prst="rect">
             <a:avLst/>
@@ -5812,7 +6124,7 @@
                 </a:solidFill>
                 <a:latin typeface="Pragmatica" panose="020B0403040502020204" pitchFamily="34" charset="0"/>
               </a:rPr>
-              <a:t>From “that’s hard in Excel” to “that’s easy in Python” visualization</a:t>
+              <a:t>Visualizing data with Python in Excel</a:t>
             </a:r>
           </a:p>
           <a:p>
@@ -5975,7 +6287,7 @@
                 <a:latin typeface="Consolas" panose="020B0609020204030204" pitchFamily="49" charset="0"/>
                 <a:sym typeface="Consolas"/>
               </a:rPr>
-              <a:t>hard-excel-easy-python-viz.xlsx</a:t>
+              <a:t>visualizing-data-with-python-in-excel.xlsx</a:t>
             </a:r>
             <a:endParaRPr lang="en-US" sz="6000" dirty="0">
               <a:solidFill>
@@ -6007,7 +6319,7 @@
 </p:sld>
 </file>
 
-<file path=ppt/slides/slide12.xml><?xml version="1.0" encoding="utf-8"?>
+<file path=ppt/slides/slide14.xml><?xml version="1.0" encoding="utf-8"?>
 <p:sld xmlns:a="http://schemas.openxmlformats.org/drawingml/2006/main" xmlns:r="http://schemas.openxmlformats.org/officeDocument/2006/relationships" xmlns:p="http://schemas.openxmlformats.org/presentationml/2006/main">
   <p:cSld>
     <p:spTree>
@@ -6282,7 +6594,7 @@
                 <a:latin typeface="Consolas" panose="020B0609020204030204" pitchFamily="49" charset="0"/>
                 <a:sym typeface="Consolas"/>
               </a:rPr>
-              <a:t>hard-excel-easy-python-viz-exercise.xlsx</a:t>
+              <a:t>visualizing-data-with-python-in-excel-exercise.xlsx</a:t>
             </a:r>
             <a:endParaRPr lang="en-US" sz="6000" dirty="0">
               <a:solidFill>
@@ -6314,7 +6626,7 @@
 </p:sld>
 </file>
 
-<file path=ppt/slides/slide13.xml><?xml version="1.0" encoding="utf-8"?>
+<file path=ppt/slides/slide15.xml><?xml version="1.0" encoding="utf-8"?>
 <p:sld xmlns:a="http://schemas.openxmlformats.org/drawingml/2006/main" xmlns:r="http://schemas.openxmlformats.org/officeDocument/2006/relationships" xmlns:p="http://schemas.openxmlformats.org/presentationml/2006/main">
   <p:cSld>
     <p:spTree>
@@ -6472,7 +6784,7 @@
 </p:sld>
 </file>
 
-<file path=ppt/slides/slide14.xml><?xml version="1.0" encoding="utf-8"?>
+<file path=ppt/slides/slide16.xml><?xml version="1.0" encoding="utf-8"?>
 <p:sld xmlns:a="http://schemas.openxmlformats.org/drawingml/2006/main" xmlns:r="http://schemas.openxmlformats.org/officeDocument/2006/relationships" xmlns:p="http://schemas.openxmlformats.org/presentationml/2006/main">
   <p:cSld>
     <p:spTree>
@@ -6600,7 +6912,7 @@
 </p:sld>
 </file>
 
-<file path=ppt/slides/slide15.xml><?xml version="1.0" encoding="utf-8"?>
+<file path=ppt/slides/slide17.xml><?xml version="1.0" encoding="utf-8"?>
 <p:sld xmlns:a="http://schemas.openxmlformats.org/drawingml/2006/main" xmlns:r="http://schemas.openxmlformats.org/officeDocument/2006/relationships" xmlns:p="http://schemas.openxmlformats.org/presentationml/2006/main">
   <p:cSld>
     <p:spTree>
@@ -6817,7 +7129,7 @@
 </p:sld>
 </file>
 
-<file path=ppt/slides/slide16.xml><?xml version="1.0" encoding="utf-8"?>
+<file path=ppt/slides/slide18.xml><?xml version="1.0" encoding="utf-8"?>
 <p:sld xmlns:a="http://schemas.openxmlformats.org/drawingml/2006/main" xmlns:r="http://schemas.openxmlformats.org/officeDocument/2006/relationships" xmlns:p="http://schemas.openxmlformats.org/presentationml/2006/main">
   <p:cSld>
     <p:spTree>
@@ -7042,7 +7354,7 @@
 </p:sld>
 </file>
 
-<file path=ppt/slides/slide17.xml><?xml version="1.0" encoding="utf-8"?>
+<file path=ppt/slides/slide19.xml><?xml version="1.0" encoding="utf-8"?>
 <p:sld xmlns:a="http://schemas.openxmlformats.org/drawingml/2006/main" xmlns:r="http://schemas.openxmlformats.org/officeDocument/2006/relationships" xmlns:p="http://schemas.openxmlformats.org/presentationml/2006/main">
   <p:cSld>
     <p:spTree>
@@ -7254,7 +7566,341 @@
 </p:sld>
 </file>
 
-<file path=ppt/slides/slide18.xml><?xml version="1.0" encoding="utf-8"?>
+<file path=ppt/slides/slide2.xml><?xml version="1.0" encoding="utf-8"?>
+<p:sld xmlns:a="http://schemas.openxmlformats.org/drawingml/2006/main" xmlns:r="http://schemas.openxmlformats.org/officeDocument/2006/relationships" xmlns:p="http://schemas.openxmlformats.org/presentationml/2006/main">
+  <p:cSld>
+    <p:spTree>
+      <p:nvGrpSpPr>
+        <p:cNvPr id="1" name=""/>
+        <p:cNvGrpSpPr/>
+        <p:nvPr/>
+      </p:nvGrpSpPr>
+      <p:grpSpPr>
+        <a:xfrm>
+          <a:off x="0" y="0"/>
+          <a:ext cx="0" cy="0"/>
+          <a:chOff x="0" y="0"/>
+          <a:chExt cx="0" cy="0"/>
+        </a:xfrm>
+      </p:grpSpPr>
+      <p:sp>
+        <p:nvSpPr>
+          <p:cNvPr id="4" name="Rectangle 3"/>
+          <p:cNvSpPr/>
+          <p:nvPr/>
+        </p:nvSpPr>
+        <p:spPr>
+          <a:xfrm>
+            <a:off x="0" y="0"/>
+            <a:ext cx="18288000" cy="10287000"/>
+          </a:xfrm>
+          <a:prstGeom prst="rect">
+            <a:avLst/>
+          </a:prstGeom>
+          <a:solidFill>
+            <a:srgbClr val="CF3338"/>
+          </a:solidFill>
+          <a:ln>
+            <a:noFill/>
+          </a:ln>
+        </p:spPr>
+        <p:style>
+          <a:lnRef idx="2">
+            <a:schemeClr val="accent1">
+              <a:shade val="50000"/>
+            </a:schemeClr>
+          </a:lnRef>
+          <a:fillRef idx="1">
+            <a:schemeClr val="accent1"/>
+          </a:fillRef>
+          <a:effectRef idx="0">
+            <a:schemeClr val="accent1"/>
+          </a:effectRef>
+          <a:fontRef idx="minor">
+            <a:schemeClr val="lt1"/>
+          </a:fontRef>
+        </p:style>
+        <p:txBody>
+          <a:bodyPr rtlCol="0" anchor="ctr"/>
+          <a:lstStyle/>
+          <a:p>
+            <a:pPr algn="ctr"/>
+            <a:endParaRPr lang="en-US" sz="2700"/>
+          </a:p>
+        </p:txBody>
+      </p:sp>
+      <p:sp>
+        <p:nvSpPr>
+          <p:cNvPr id="5" name="TextBox 4"/>
+          <p:cNvSpPr txBox="1"/>
+          <p:nvPr/>
+        </p:nvSpPr>
+        <p:spPr>
+          <a:xfrm>
+            <a:off x="781292" y="590309"/>
+            <a:ext cx="15486926" cy="1615827"/>
+          </a:xfrm>
+          <a:prstGeom prst="rect">
+            <a:avLst/>
+          </a:prstGeom>
+          <a:noFill/>
+        </p:spPr>
+        <p:txBody>
+          <a:bodyPr wrap="square" rtlCol="0">
+            <a:spAutoFit/>
+          </a:bodyPr>
+          <a:lstStyle/>
+          <a:p>
+            <a:r>
+              <a:rPr lang="en-US" sz="9900" b="1" dirty="0">
+                <a:solidFill>
+                  <a:schemeClr val="bg1"/>
+                </a:solidFill>
+                <a:latin typeface="Normafixed Tryout" panose="00000409000000000000" pitchFamily="49" charset="0"/>
+              </a:rPr>
+              <a:t>Hi, I’m George</a:t>
+            </a:r>
+          </a:p>
+        </p:txBody>
+      </p:sp>
+      <p:pic>
+        <p:nvPicPr>
+          <p:cNvPr id="3" name="Picture 4" descr="Advancing into Analytics Cover Image">
+            <a:extLst>
+              <a:ext uri="{FF2B5EF4-FFF2-40B4-BE49-F238E27FC236}">
+                <a16:creationId xmlns:a16="http://schemas.microsoft.com/office/drawing/2014/main" id="{588F684B-18EF-D76C-5F7B-15E4BAD60643}"/>
+              </a:ext>
+            </a:extLst>
+          </p:cNvPr>
+          <p:cNvPicPr>
+            <a:picLocks noChangeAspect="1" noChangeArrowheads="1"/>
+          </p:cNvPicPr>
+          <p:nvPr/>
+        </p:nvPicPr>
+        <p:blipFill>
+          <a:blip r:embed="rId3" cstate="print">
+            <a:extLst>
+              <a:ext uri="{28A0092B-C50C-407E-A947-70E740481C1C}">
+                <a14:useLocalDpi xmlns:a14="http://schemas.microsoft.com/office/drawing/2010/main" val="0"/>
+              </a:ext>
+            </a:extLst>
+          </a:blip>
+          <a:srcRect/>
+          <a:stretch>
+            <a:fillRect/>
+          </a:stretch>
+        </p:blipFill>
+        <p:spPr bwMode="auto">
+          <a:xfrm>
+            <a:off x="15461087" y="456356"/>
+            <a:ext cx="2246761" cy="2934544"/>
+          </a:xfrm>
+          <a:prstGeom prst="rect">
+            <a:avLst/>
+          </a:prstGeom>
+          <a:noFill/>
+          <a:extLst>
+            <a:ext uri="{909E8E84-426E-40DD-AFC4-6F175D3DCCD1}">
+              <a14:hiddenFill xmlns:a14="http://schemas.microsoft.com/office/drawing/2010/main">
+                <a:solidFill>
+                  <a:srgbClr val="FFFFFF"/>
+                </a:solidFill>
+              </a14:hiddenFill>
+            </a:ext>
+          </a:extLst>
+        </p:spPr>
+      </p:pic>
+      <p:pic>
+        <p:nvPicPr>
+          <p:cNvPr id="6" name="Picture 6" descr="Free photos of Cleveland">
+            <a:extLst>
+              <a:ext uri="{FF2B5EF4-FFF2-40B4-BE49-F238E27FC236}">
+                <a16:creationId xmlns:a16="http://schemas.microsoft.com/office/drawing/2014/main" id="{CBA53EEE-E3E1-D99E-A4DC-1C4DD2E6CE4A}"/>
+              </a:ext>
+            </a:extLst>
+          </p:cNvPr>
+          <p:cNvPicPr>
+            <a:picLocks noChangeAspect="1" noChangeArrowheads="1"/>
+          </p:cNvPicPr>
+          <p:nvPr/>
+        </p:nvPicPr>
+        <p:blipFill>
+          <a:blip r:embed="rId4" cstate="print">
+            <a:extLst>
+              <a:ext uri="{28A0092B-C50C-407E-A947-70E740481C1C}">
+                <a14:useLocalDpi xmlns:a14="http://schemas.microsoft.com/office/drawing/2010/main" val="0"/>
+              </a:ext>
+            </a:extLst>
+          </a:blip>
+          <a:srcRect/>
+          <a:stretch>
+            <a:fillRect/>
+          </a:stretch>
+        </p:blipFill>
+        <p:spPr bwMode="auto">
+          <a:xfrm>
+            <a:off x="4758962" y="2476500"/>
+            <a:ext cx="7531585" cy="5013211"/>
+          </a:xfrm>
+          <a:prstGeom prst="rect">
+            <a:avLst/>
+          </a:prstGeom>
+          <a:noFill/>
+          <a:extLst>
+            <a:ext uri="{909E8E84-426E-40DD-AFC4-6F175D3DCCD1}">
+              <a14:hiddenFill xmlns:a14="http://schemas.microsoft.com/office/drawing/2010/main">
+                <a:solidFill>
+                  <a:srgbClr val="FFFFFF"/>
+                </a:solidFill>
+              </a14:hiddenFill>
+            </a:ext>
+          </a:extLst>
+        </p:spPr>
+      </p:pic>
+      <p:pic>
+        <p:nvPicPr>
+          <p:cNvPr id="8" name="Picture 7" descr="Logo&#10;&#10;Description automatically generated">
+            <a:extLst>
+              <a:ext uri="{FF2B5EF4-FFF2-40B4-BE49-F238E27FC236}">
+                <a16:creationId xmlns:a16="http://schemas.microsoft.com/office/drawing/2014/main" id="{97E0F267-87DF-961E-1FAA-47FD4F27A5C6}"/>
+              </a:ext>
+            </a:extLst>
+          </p:cNvPr>
+          <p:cNvPicPr>
+            <a:picLocks noChangeAspect="1"/>
+          </p:cNvPicPr>
+          <p:nvPr/>
+        </p:nvPicPr>
+        <p:blipFill>
+          <a:blip r:embed="rId5" cstate="print">
+            <a:extLst>
+              <a:ext uri="{28A0092B-C50C-407E-A947-70E740481C1C}">
+                <a14:useLocalDpi xmlns:a14="http://schemas.microsoft.com/office/drawing/2010/main" val="0"/>
+              </a:ext>
+            </a:extLst>
+          </a:blip>
+          <a:stretch>
+            <a:fillRect/>
+          </a:stretch>
+        </p:blipFill>
+        <p:spPr>
+          <a:xfrm>
+            <a:off x="10336758" y="6210300"/>
+            <a:ext cx="7448309" cy="5462681"/>
+          </a:xfrm>
+          <a:prstGeom prst="rect">
+            <a:avLst/>
+          </a:prstGeom>
+        </p:spPr>
+      </p:pic>
+      <p:pic>
+        <p:nvPicPr>
+          <p:cNvPr id="1026" name="Picture 2" descr="Excel MVP Led Training - The Best Way to Learn Excel.">
+            <a:extLst>
+              <a:ext uri="{FF2B5EF4-FFF2-40B4-BE49-F238E27FC236}">
+                <a16:creationId xmlns:a16="http://schemas.microsoft.com/office/drawing/2014/main" id="{1541E3A8-702A-355A-01A5-FFB43F9DE736}"/>
+              </a:ext>
+            </a:extLst>
+          </p:cNvPr>
+          <p:cNvPicPr>
+            <a:picLocks noChangeAspect="1" noChangeArrowheads="1"/>
+          </p:cNvPicPr>
+          <p:nvPr/>
+        </p:nvPicPr>
+        <p:blipFill>
+          <a:blip r:embed="rId6">
+            <a:extLst>
+              <a:ext uri="{28A0092B-C50C-407E-A947-70E740481C1C}">
+                <a14:useLocalDpi xmlns:a14="http://schemas.microsoft.com/office/drawing/2010/main" val="0"/>
+              </a:ext>
+            </a:extLst>
+          </a:blip>
+          <a:srcRect/>
+          <a:stretch>
+            <a:fillRect/>
+          </a:stretch>
+        </p:blipFill>
+        <p:spPr bwMode="auto">
+          <a:xfrm>
+            <a:off x="1095268" y="8334375"/>
+            <a:ext cx="4028188" cy="1615827"/>
+          </a:xfrm>
+          <a:prstGeom prst="rect">
+            <a:avLst/>
+          </a:prstGeom>
+          <a:noFill/>
+          <a:extLst>
+            <a:ext uri="{909E8E84-426E-40DD-AFC4-6F175D3DCCD1}">
+              <a14:hiddenFill xmlns:a14="http://schemas.microsoft.com/office/drawing/2010/main">
+                <a:solidFill>
+                  <a:srgbClr val="FFFFFF"/>
+                </a:solidFill>
+              </a14:hiddenFill>
+            </a:ext>
+          </a:extLst>
+        </p:spPr>
+      </p:pic>
+      <p:pic>
+        <p:nvPicPr>
+          <p:cNvPr id="2" name="Picture 2" descr="Modern data analytics in Excel book cover">
+            <a:extLst>
+              <a:ext uri="{FF2B5EF4-FFF2-40B4-BE49-F238E27FC236}">
+                <a16:creationId xmlns:a16="http://schemas.microsoft.com/office/drawing/2014/main" id="{7C823F27-E07D-C4F1-1455-EB2ABBB22C2E}"/>
+              </a:ext>
+            </a:extLst>
+          </p:cNvPr>
+          <p:cNvPicPr>
+            <a:picLocks noChangeAspect="1" noChangeArrowheads="1"/>
+          </p:cNvPicPr>
+          <p:nvPr/>
+        </p:nvPicPr>
+        <p:blipFill>
+          <a:blip r:embed="rId7">
+            <a:extLst>
+              <a:ext uri="{28A0092B-C50C-407E-A947-70E740481C1C}">
+                <a14:useLocalDpi xmlns:a14="http://schemas.microsoft.com/office/drawing/2010/main" val="0"/>
+              </a:ext>
+            </a:extLst>
+          </a:blip>
+          <a:srcRect/>
+          <a:stretch>
+            <a:fillRect/>
+          </a:stretch>
+        </p:blipFill>
+        <p:spPr bwMode="auto">
+          <a:xfrm>
+            <a:off x="13045846" y="3840640"/>
+            <a:ext cx="2400300" cy="3148013"/>
+          </a:xfrm>
+          <a:prstGeom prst="rect">
+            <a:avLst/>
+          </a:prstGeom>
+          <a:noFill/>
+          <a:extLst>
+            <a:ext uri="{909E8E84-426E-40DD-AFC4-6F175D3DCCD1}">
+              <a14:hiddenFill xmlns:a14="http://schemas.microsoft.com/office/drawing/2010/main">
+                <a:solidFill>
+                  <a:srgbClr val="FFFFFF"/>
+                </a:solidFill>
+              </a14:hiddenFill>
+            </a:ext>
+          </a:extLst>
+        </p:spPr>
+      </p:pic>
+    </p:spTree>
+    <p:extLst>
+      <p:ext uri="{BB962C8B-B14F-4D97-AF65-F5344CB8AC3E}">
+        <p14:creationId xmlns:p14="http://schemas.microsoft.com/office/powerpoint/2010/main" val="166785523"/>
+      </p:ext>
+    </p:extLst>
+  </p:cSld>
+  <p:clrMapOvr>
+    <a:masterClrMapping/>
+  </p:clrMapOvr>
+</p:sld>
+</file>
+
+<file path=ppt/slides/slide20.xml><?xml version="1.0" encoding="utf-8"?>
 <p:sld xmlns:a="http://schemas.openxmlformats.org/drawingml/2006/main" xmlns:r="http://schemas.openxmlformats.org/officeDocument/2006/relationships" xmlns:p="http://schemas.openxmlformats.org/presentationml/2006/main">
   <p:cSld>
     <p:spTree>
@@ -7560,7 +8206,7 @@
 </p:sld>
 </file>
 
-<file path=ppt/slides/slide19.xml><?xml version="1.0" encoding="utf-8"?>
+<file path=ppt/slides/slide21.xml><?xml version="1.0" encoding="utf-8"?>
 <p:sld xmlns:a="http://schemas.openxmlformats.org/drawingml/2006/main" xmlns:r="http://schemas.openxmlformats.org/officeDocument/2006/relationships" xmlns:p="http://schemas.openxmlformats.org/presentationml/2006/main">
   <p:cSld>
     <p:spTree>
@@ -7827,7 +8473,301 @@
 </p:sld>
 </file>
 
-<file path=ppt/slides/slide2.xml><?xml version="1.0" encoding="utf-8"?>
+<file path=ppt/slides/slide22.xml><?xml version="1.0" encoding="utf-8"?>
+<p:sld xmlns:a="http://schemas.openxmlformats.org/drawingml/2006/main" xmlns:r="http://schemas.openxmlformats.org/officeDocument/2006/relationships" xmlns:p="http://schemas.openxmlformats.org/presentationml/2006/main">
+  <p:cSld>
+    <p:spTree>
+      <p:nvGrpSpPr>
+        <p:cNvPr id="1" name="">
+          <a:extLst>
+            <a:ext uri="{FF2B5EF4-FFF2-40B4-BE49-F238E27FC236}">
+              <a16:creationId xmlns:a16="http://schemas.microsoft.com/office/drawing/2014/main" id="{08155BA3-8BB1-D4E8-AE84-1AAFDDC80EA9}"/>
+            </a:ext>
+          </a:extLst>
+        </p:cNvPr>
+        <p:cNvGrpSpPr/>
+        <p:nvPr/>
+      </p:nvGrpSpPr>
+      <p:grpSpPr>
+        <a:xfrm>
+          <a:off x="0" y="0"/>
+          <a:ext cx="0" cy="0"/>
+          <a:chOff x="0" y="0"/>
+          <a:chExt cx="0" cy="0"/>
+        </a:xfrm>
+      </p:grpSpPr>
+      <p:sp>
+        <p:nvSpPr>
+          <p:cNvPr id="4" name="Rectangle 3">
+            <a:extLst>
+              <a:ext uri="{FF2B5EF4-FFF2-40B4-BE49-F238E27FC236}">
+                <a16:creationId xmlns:a16="http://schemas.microsoft.com/office/drawing/2014/main" id="{3327CCB3-6193-A4D5-3EC4-C4C6C90AC466}"/>
+              </a:ext>
+            </a:extLst>
+          </p:cNvPr>
+          <p:cNvSpPr/>
+          <p:nvPr/>
+        </p:nvSpPr>
+        <p:spPr>
+          <a:xfrm>
+            <a:off x="11353800" y="0"/>
+            <a:ext cx="6934200" cy="10287000"/>
+          </a:xfrm>
+          <a:prstGeom prst="rect">
+            <a:avLst/>
+          </a:prstGeom>
+          <a:solidFill>
+            <a:srgbClr val="CF3338"/>
+          </a:solidFill>
+          <a:ln>
+            <a:noFill/>
+          </a:ln>
+        </p:spPr>
+        <p:style>
+          <a:lnRef idx="2">
+            <a:schemeClr val="accent1">
+              <a:shade val="50000"/>
+            </a:schemeClr>
+          </a:lnRef>
+          <a:fillRef idx="1">
+            <a:schemeClr val="accent1"/>
+          </a:fillRef>
+          <a:effectRef idx="0">
+            <a:schemeClr val="accent1"/>
+          </a:effectRef>
+          <a:fontRef idx="minor">
+            <a:schemeClr val="lt1"/>
+          </a:fontRef>
+        </p:style>
+        <p:txBody>
+          <a:bodyPr rtlCol="0" anchor="ctr"/>
+          <a:lstStyle/>
+          <a:p>
+            <a:pPr algn="ctr"/>
+            <a:endParaRPr lang="en-US" sz="2700"/>
+          </a:p>
+        </p:txBody>
+      </p:sp>
+      <p:pic>
+        <p:nvPicPr>
+          <p:cNvPr id="2" name="Picture 1">
+            <a:extLst>
+              <a:ext uri="{FF2B5EF4-FFF2-40B4-BE49-F238E27FC236}">
+                <a16:creationId xmlns:a16="http://schemas.microsoft.com/office/drawing/2014/main" id="{8AAFD93A-D5EC-3200-99F7-C3ADE2A9BE02}"/>
+              </a:ext>
+            </a:extLst>
+          </p:cNvPr>
+          <p:cNvPicPr>
+            <a:picLocks noChangeAspect="1"/>
+          </p:cNvPicPr>
+          <p:nvPr/>
+        </p:nvPicPr>
+        <p:blipFill rotWithShape="1">
+          <a:blip r:embed="rId3">
+            <a:extLst>
+              <a:ext uri="{28A0092B-C50C-407E-A947-70E740481C1C}">
+                <a14:useLocalDpi xmlns:a14="http://schemas.microsoft.com/office/drawing/2010/main" val="0"/>
+              </a:ext>
+            </a:extLst>
+          </a:blip>
+          <a:srcRect l="69227" t="33418" r="20112" b="50548"/>
+          <a:stretch/>
+        </p:blipFill>
+        <p:spPr>
+          <a:xfrm>
+            <a:off x="15579524" y="7544693"/>
+            <a:ext cx="2708477" cy="2987579"/>
+          </a:xfrm>
+          <a:prstGeom prst="rect">
+            <a:avLst/>
+          </a:prstGeom>
+        </p:spPr>
+      </p:pic>
+      <p:sp>
+        <p:nvSpPr>
+          <p:cNvPr id="3" name="TextBox 2">
+            <a:extLst>
+              <a:ext uri="{FF2B5EF4-FFF2-40B4-BE49-F238E27FC236}">
+                <a16:creationId xmlns:a16="http://schemas.microsoft.com/office/drawing/2014/main" id="{0416716D-F76F-19C5-A4EE-7275704707D7}"/>
+              </a:ext>
+            </a:extLst>
+          </p:cNvPr>
+          <p:cNvSpPr txBox="1"/>
+          <p:nvPr/>
+        </p:nvSpPr>
+        <p:spPr>
+          <a:xfrm>
+            <a:off x="260430" y="329879"/>
+            <a:ext cx="10788569" cy="7631256"/>
+          </a:xfrm>
+          <a:prstGeom prst="rect">
+            <a:avLst/>
+          </a:prstGeom>
+          <a:noFill/>
+        </p:spPr>
+        <p:txBody>
+          <a:bodyPr wrap="square" rtlCol="0">
+            <a:spAutoFit/>
+          </a:bodyPr>
+          <a:lstStyle/>
+          <a:p>
+            <a:r>
+              <a:rPr lang="en-US" sz="6000" b="1" dirty="0">
+                <a:solidFill>
+                  <a:srgbClr val="CF3338"/>
+                </a:solidFill>
+                <a:latin typeface="Pragmatica" panose="020B0403040502020204" pitchFamily="34" charset="0"/>
+              </a:rPr>
+              <a:t>Advanced Analytics exercises</a:t>
+            </a:r>
+          </a:p>
+          <a:p>
+            <a:endParaRPr lang="en-US" sz="4200" dirty="0">
+              <a:solidFill>
+                <a:srgbClr val="CF3338"/>
+              </a:solidFill>
+              <a:latin typeface="Pragmatica" panose="020B0403040502020204" pitchFamily="34" charset="0"/>
+            </a:endParaRPr>
+          </a:p>
+          <a:p>
+            <a:pPr marL="714375" indent="-571500">
+              <a:lnSpc>
+                <a:spcPct val="115000"/>
+              </a:lnSpc>
+              <a:spcBef>
+                <a:spcPts val="1125"/>
+              </a:spcBef>
+              <a:buClr>
+                <a:srgbClr val="C00000"/>
+              </a:buClr>
+              <a:buSzPts val="2100"/>
+              <a:buFont typeface="Arial" panose="020B0604020202020204" pitchFamily="34" charset="0"/>
+              <a:buChar char="•"/>
+            </a:pPr>
+            <a:r>
+              <a:rPr lang="en-US" sz="4400" dirty="0">
+                <a:solidFill>
+                  <a:srgbClr val="C00000"/>
+                </a:solidFill>
+                <a:latin typeface="Pragmatica" panose="020B0403040502020204"/>
+                <a:sym typeface="Consolas"/>
+              </a:rPr>
+              <a:t>Workbook: </a:t>
+            </a:r>
+            <a:r>
+              <a:rPr lang="en-US" sz="4400" dirty="0">
+                <a:solidFill>
+                  <a:srgbClr val="C00000"/>
+                </a:solidFill>
+                <a:latin typeface="Consolas" panose="020B0609020204030204" pitchFamily="49" charset="0"/>
+                <a:sym typeface="Consolas"/>
+              </a:rPr>
+              <a:t>advanced-analytics-exercises.xlsx</a:t>
+            </a:r>
+          </a:p>
+          <a:p>
+            <a:pPr marL="714375" indent="-571500">
+              <a:lnSpc>
+                <a:spcPct val="115000"/>
+              </a:lnSpc>
+              <a:spcBef>
+                <a:spcPts val="1125"/>
+              </a:spcBef>
+              <a:buClr>
+                <a:srgbClr val="C00000"/>
+              </a:buClr>
+              <a:buSzPts val="2100"/>
+              <a:buFont typeface="Arial" panose="020B0604020202020204" pitchFamily="34" charset="0"/>
+              <a:buChar char="•"/>
+            </a:pPr>
+            <a:r>
+              <a:rPr lang="en-US" sz="4400" dirty="0">
+                <a:solidFill>
+                  <a:srgbClr val="C00000"/>
+                </a:solidFill>
+                <a:latin typeface="Pragmatica" panose="020B0403040502020204"/>
+                <a:sym typeface="Consolas"/>
+              </a:rPr>
+              <a:t>Use Advanced Analytics for AI-assisted analysis of these datasets!</a:t>
+            </a:r>
+          </a:p>
+          <a:p>
+            <a:pPr marL="714375" indent="-571500">
+              <a:lnSpc>
+                <a:spcPct val="115000"/>
+              </a:lnSpc>
+              <a:spcBef>
+                <a:spcPts val="1125"/>
+              </a:spcBef>
+              <a:buClr>
+                <a:srgbClr val="C00000"/>
+              </a:buClr>
+              <a:buSzPts val="2100"/>
+              <a:buFont typeface="Arial" panose="020B0604020202020204" pitchFamily="34" charset="0"/>
+              <a:buChar char="•"/>
+            </a:pPr>
+            <a:r>
+              <a:rPr lang="en-US" sz="4400" dirty="0">
+                <a:solidFill>
+                  <a:srgbClr val="C00000"/>
+                </a:solidFill>
+                <a:latin typeface="Pragmatica" panose="020B0403040502020204"/>
+                <a:sym typeface="Consolas"/>
+              </a:rPr>
+              <a:t>Suggested topics for exploration in </a:t>
+            </a:r>
+            <a:r>
+              <a:rPr lang="en-US" sz="4400" dirty="0">
+                <a:solidFill>
+                  <a:srgbClr val="C00000"/>
+                </a:solidFill>
+                <a:latin typeface="Consolas" panose="020B0609020204030204" pitchFamily="49" charset="0"/>
+                <a:sym typeface="Consolas"/>
+              </a:rPr>
+              <a:t>advanced-analysis-exercises.pdf</a:t>
+            </a:r>
+          </a:p>
+          <a:p>
+            <a:pPr marL="714375" indent="-571500">
+              <a:lnSpc>
+                <a:spcPct val="115000"/>
+              </a:lnSpc>
+              <a:spcBef>
+                <a:spcPts val="1125"/>
+              </a:spcBef>
+              <a:buClr>
+                <a:srgbClr val="C00000"/>
+              </a:buClr>
+              <a:buSzPts val="2100"/>
+              <a:buFont typeface="Arial" panose="020B0604020202020204" pitchFamily="34" charset="0"/>
+              <a:buChar char="•"/>
+            </a:pPr>
+            <a:r>
+              <a:rPr lang="en-US" sz="4400" dirty="0">
+                <a:solidFill>
+                  <a:srgbClr val="CF3338"/>
+                </a:solidFill>
+                <a:latin typeface="Pragmatica" panose="020B0403040502020204"/>
+              </a:rPr>
+              <a:t>Share your insights!</a:t>
+            </a:r>
+          </a:p>
+        </p:txBody>
+      </p:sp>
+    </p:spTree>
+    <p:extLst>
+      <p:ext uri="{BB962C8B-B14F-4D97-AF65-F5344CB8AC3E}">
+        <p14:creationId xmlns:p14="http://schemas.microsoft.com/office/powerpoint/2010/main" val="3701366554"/>
+      </p:ext>
+    </p:extLst>
+  </p:cSld>
+  <p:clrMapOvr>
+    <a:masterClrMapping/>
+  </p:clrMapOvr>
+</p:sld>
+</file>
+
+<file path=ppt/slides/slide23.xml><?xml version="1.0" encoding="utf-8"?>
 <p:sld xmlns:a="http://schemas.openxmlformats.org/drawingml/2006/main" xmlns:r="http://schemas.openxmlformats.org/officeDocument/2006/relationships" xmlns:p="http://schemas.openxmlformats.org/presentationml/2006/main">
   <p:cSld>
     <p:spTree>
@@ -7899,7 +8839,7 @@
         <p:spPr>
           <a:xfrm>
             <a:off x="781292" y="590309"/>
-            <a:ext cx="15486926" cy="1615827"/>
+            <a:ext cx="15486926" cy="4662815"/>
           </a:xfrm>
           <a:prstGeom prst="rect">
             <a:avLst/>
@@ -7919,239 +8859,51 @@
                 </a:solidFill>
                 <a:latin typeface="Normafixed Tryout" panose="00000409000000000000" pitchFamily="49" charset="0"/>
               </a:rPr>
-              <a:t>Hi, I’m George</a:t>
-            </a:r>
-          </a:p>
-        </p:txBody>
-      </p:sp>
-      <p:pic>
-        <p:nvPicPr>
-          <p:cNvPr id="3" name="Picture 4" descr="Advancing into Analytics Cover Image">
-            <a:extLst>
-              <a:ext uri="{FF2B5EF4-FFF2-40B4-BE49-F238E27FC236}">
-                <a16:creationId xmlns:a16="http://schemas.microsoft.com/office/drawing/2014/main" id="{588F684B-18EF-D76C-5F7B-15E4BAD60643}"/>
-              </a:ext>
-            </a:extLst>
-          </p:cNvPr>
-          <p:cNvPicPr>
-            <a:picLocks noChangeAspect="1" noChangeArrowheads="1"/>
-          </p:cNvPicPr>
-          <p:nvPr/>
-        </p:nvPicPr>
-        <p:blipFill>
-          <a:blip r:embed="rId3" cstate="print">
-            <a:extLst>
-              <a:ext uri="{28A0092B-C50C-407E-A947-70E740481C1C}">
-                <a14:useLocalDpi xmlns:a14="http://schemas.microsoft.com/office/drawing/2010/main" val="0"/>
-              </a:ext>
-            </a:extLst>
-          </a:blip>
-          <a:srcRect/>
-          <a:stretch>
-            <a:fillRect/>
-          </a:stretch>
-        </p:blipFill>
-        <p:spPr bwMode="auto">
-          <a:xfrm>
-            <a:off x="15461087" y="456356"/>
-            <a:ext cx="2246761" cy="2934544"/>
-          </a:xfrm>
-          <a:prstGeom prst="rect">
-            <a:avLst/>
-          </a:prstGeom>
-          <a:noFill/>
-          <a:extLst>
-            <a:ext uri="{909E8E84-426E-40DD-AFC4-6F175D3DCCD1}">
-              <a14:hiddenFill xmlns:a14="http://schemas.microsoft.com/office/drawing/2010/main">
-                <a:solidFill>
-                  <a:srgbClr val="FFFFFF"/>
-                </a:solidFill>
-              </a14:hiddenFill>
-            </a:ext>
-          </a:extLst>
-        </p:spPr>
-      </p:pic>
-      <p:pic>
-        <p:nvPicPr>
-          <p:cNvPr id="6" name="Picture 6" descr="Free photos of Cleveland">
-            <a:extLst>
-              <a:ext uri="{FF2B5EF4-FFF2-40B4-BE49-F238E27FC236}">
-                <a16:creationId xmlns:a16="http://schemas.microsoft.com/office/drawing/2014/main" id="{CBA53EEE-E3E1-D99E-A4DC-1C4DD2E6CE4A}"/>
-              </a:ext>
-            </a:extLst>
-          </p:cNvPr>
-          <p:cNvPicPr>
-            <a:picLocks noChangeAspect="1" noChangeArrowheads="1"/>
-          </p:cNvPicPr>
-          <p:nvPr/>
-        </p:nvPicPr>
-        <p:blipFill>
-          <a:blip r:embed="rId4" cstate="print">
-            <a:extLst>
-              <a:ext uri="{28A0092B-C50C-407E-A947-70E740481C1C}">
-                <a14:useLocalDpi xmlns:a14="http://schemas.microsoft.com/office/drawing/2010/main" val="0"/>
-              </a:ext>
-            </a:extLst>
-          </a:blip>
-          <a:srcRect/>
-          <a:stretch>
-            <a:fillRect/>
-          </a:stretch>
-        </p:blipFill>
-        <p:spPr bwMode="auto">
-          <a:xfrm>
-            <a:off x="4758962" y="2476500"/>
-            <a:ext cx="7531585" cy="5013211"/>
-          </a:xfrm>
-          <a:prstGeom prst="rect">
-            <a:avLst/>
-          </a:prstGeom>
-          <a:noFill/>
-          <a:extLst>
-            <a:ext uri="{909E8E84-426E-40DD-AFC4-6F175D3DCCD1}">
-              <a14:hiddenFill xmlns:a14="http://schemas.microsoft.com/office/drawing/2010/main">
-                <a:solidFill>
-                  <a:srgbClr val="FFFFFF"/>
-                </a:solidFill>
-              </a14:hiddenFill>
-            </a:ext>
-          </a:extLst>
-        </p:spPr>
-      </p:pic>
-      <p:pic>
-        <p:nvPicPr>
-          <p:cNvPr id="8" name="Picture 7" descr="Logo&#10;&#10;Description automatically generated">
-            <a:extLst>
-              <a:ext uri="{FF2B5EF4-FFF2-40B4-BE49-F238E27FC236}">
-                <a16:creationId xmlns:a16="http://schemas.microsoft.com/office/drawing/2014/main" id="{97E0F267-87DF-961E-1FAA-47FD4F27A5C6}"/>
-              </a:ext>
-            </a:extLst>
-          </p:cNvPr>
-          <p:cNvPicPr>
-            <a:picLocks noChangeAspect="1"/>
-          </p:cNvPicPr>
-          <p:nvPr/>
-        </p:nvPicPr>
-        <p:blipFill>
-          <a:blip r:embed="rId5" cstate="print">
-            <a:extLst>
-              <a:ext uri="{28A0092B-C50C-407E-A947-70E740481C1C}">
-                <a14:useLocalDpi xmlns:a14="http://schemas.microsoft.com/office/drawing/2010/main" val="0"/>
-              </a:ext>
-            </a:extLst>
-          </a:blip>
-          <a:stretch>
-            <a:fillRect/>
-          </a:stretch>
-        </p:blipFill>
-        <p:spPr>
-          <a:xfrm>
-            <a:off x="10336758" y="6210300"/>
-            <a:ext cx="7448309" cy="5462681"/>
-          </a:xfrm>
-          <a:prstGeom prst="rect">
-            <a:avLst/>
-          </a:prstGeom>
-        </p:spPr>
-      </p:pic>
-      <p:pic>
-        <p:nvPicPr>
-          <p:cNvPr id="1026" name="Picture 2" descr="Excel MVP Led Training - The Best Way to Learn Excel.">
-            <a:extLst>
-              <a:ext uri="{FF2B5EF4-FFF2-40B4-BE49-F238E27FC236}">
-                <a16:creationId xmlns:a16="http://schemas.microsoft.com/office/drawing/2014/main" id="{1541E3A8-702A-355A-01A5-FFB43F9DE736}"/>
-              </a:ext>
-            </a:extLst>
-          </p:cNvPr>
-          <p:cNvPicPr>
-            <a:picLocks noChangeAspect="1" noChangeArrowheads="1"/>
-          </p:cNvPicPr>
-          <p:nvPr/>
-        </p:nvPicPr>
-        <p:blipFill>
-          <a:blip r:embed="rId6">
-            <a:extLst>
-              <a:ext uri="{28A0092B-C50C-407E-A947-70E740481C1C}">
-                <a14:useLocalDpi xmlns:a14="http://schemas.microsoft.com/office/drawing/2010/main" val="0"/>
-              </a:ext>
-            </a:extLst>
-          </a:blip>
-          <a:srcRect/>
-          <a:stretch>
-            <a:fillRect/>
-          </a:stretch>
-        </p:blipFill>
-        <p:spPr bwMode="auto">
-          <a:xfrm>
-            <a:off x="1095268" y="8334375"/>
-            <a:ext cx="4028188" cy="1615827"/>
-          </a:xfrm>
-          <a:prstGeom prst="rect">
-            <a:avLst/>
-          </a:prstGeom>
-          <a:noFill/>
-          <a:extLst>
-            <a:ext uri="{909E8E84-426E-40DD-AFC4-6F175D3DCCD1}">
-              <a14:hiddenFill xmlns:a14="http://schemas.microsoft.com/office/drawing/2010/main">
-                <a:solidFill>
-                  <a:srgbClr val="FFFFFF"/>
-                </a:solidFill>
-              </a14:hiddenFill>
-            </a:ext>
-          </a:extLst>
-        </p:spPr>
-      </p:pic>
-      <p:pic>
-        <p:nvPicPr>
-          <p:cNvPr id="2" name="Picture 2" descr="Modern data analytics in Excel book cover">
-            <a:extLst>
-              <a:ext uri="{FF2B5EF4-FFF2-40B4-BE49-F238E27FC236}">
-                <a16:creationId xmlns:a16="http://schemas.microsoft.com/office/drawing/2014/main" id="{7C823F27-E07D-C4F1-1455-EB2ABBB22C2E}"/>
-              </a:ext>
-            </a:extLst>
-          </p:cNvPr>
-          <p:cNvPicPr>
-            <a:picLocks noChangeAspect="1" noChangeArrowheads="1"/>
-          </p:cNvPicPr>
-          <p:nvPr/>
-        </p:nvPicPr>
-        <p:blipFill>
-          <a:blip r:embed="rId7">
-            <a:extLst>
-              <a:ext uri="{28A0092B-C50C-407E-A947-70E740481C1C}">
-                <a14:useLocalDpi xmlns:a14="http://schemas.microsoft.com/office/drawing/2010/main" val="0"/>
-              </a:ext>
-            </a:extLst>
-          </a:blip>
-          <a:srcRect/>
-          <a:stretch>
-            <a:fillRect/>
-          </a:stretch>
-        </p:blipFill>
-        <p:spPr bwMode="auto">
-          <a:xfrm>
-            <a:off x="13045846" y="3840640"/>
-            <a:ext cx="2400300" cy="3148013"/>
-          </a:xfrm>
-          <a:prstGeom prst="rect">
-            <a:avLst/>
-          </a:prstGeom>
-          <a:noFill/>
-          <a:extLst>
-            <a:ext uri="{909E8E84-426E-40DD-AFC4-6F175D3DCCD1}">
-              <a14:hiddenFill xmlns:a14="http://schemas.microsoft.com/office/drawing/2010/main">
-                <a:solidFill>
-                  <a:srgbClr val="FFFFFF"/>
-                </a:solidFill>
-              </a14:hiddenFill>
-            </a:ext>
-          </a:extLst>
-        </p:spPr>
-      </p:pic>
+              <a:t>5. There’s more to Python </a:t>
+            </a:r>
+            <a:r>
+              <a:rPr lang="en-US" sz="9900" b="1" i="1" dirty="0">
+                <a:solidFill>
+                  <a:schemeClr val="bg1"/>
+                </a:solidFill>
+                <a:latin typeface="Normafixed Tryout" panose="00000409000000000000" pitchFamily="49" charset="0"/>
+              </a:rPr>
+              <a:t>and </a:t>
+            </a:r>
+            <a:r>
+              <a:rPr lang="en-US" sz="9900" b="1" dirty="0">
+                <a:solidFill>
+                  <a:schemeClr val="bg1"/>
+                </a:solidFill>
+                <a:latin typeface="Normafixed Tryout" panose="00000409000000000000" pitchFamily="49" charset="0"/>
+              </a:rPr>
+              <a:t>Excel than Python </a:t>
+            </a:r>
+            <a:r>
+              <a:rPr lang="en-US" sz="9900" b="1" i="1" dirty="0">
+                <a:solidFill>
+                  <a:schemeClr val="bg1"/>
+                </a:solidFill>
+                <a:latin typeface="Normafixed Tryout" panose="00000409000000000000" pitchFamily="49" charset="0"/>
+              </a:rPr>
+              <a:t>in </a:t>
+            </a:r>
+            <a:r>
+              <a:rPr lang="en-US" sz="9900" b="1" dirty="0">
+                <a:solidFill>
+                  <a:schemeClr val="bg1"/>
+                </a:solidFill>
+                <a:latin typeface="Normafixed Tryout" panose="00000409000000000000" pitchFamily="49" charset="0"/>
+              </a:rPr>
+              <a:t>Excel</a:t>
+            </a:r>
+          </a:p>
+        </p:txBody>
+      </p:sp>
     </p:spTree>
     <p:extLst>
       <p:ext uri="{BB962C8B-B14F-4D97-AF65-F5344CB8AC3E}">
-        <p14:creationId xmlns:p14="http://schemas.microsoft.com/office/powerpoint/2010/main" val="166785523"/>
+        <p14:creationId xmlns:p14="http://schemas.microsoft.com/office/powerpoint/2010/main" val="1915421395"/>
       </p:ext>
     </p:extLst>
   </p:cSld>
@@ -8161,18 +8913,12 @@
 </p:sld>
 </file>
 
-<file path=ppt/slides/slide20.xml><?xml version="1.0" encoding="utf-8"?>
+<file path=ppt/slides/slide24.xml><?xml version="1.0" encoding="utf-8"?>
 <p:sld xmlns:a="http://schemas.openxmlformats.org/drawingml/2006/main" xmlns:r="http://schemas.openxmlformats.org/officeDocument/2006/relationships" xmlns:p="http://schemas.openxmlformats.org/presentationml/2006/main">
   <p:cSld>
     <p:spTree>
       <p:nvGrpSpPr>
-        <p:cNvPr id="1" name="">
-          <a:extLst>
-            <a:ext uri="{FF2B5EF4-FFF2-40B4-BE49-F238E27FC236}">
-              <a16:creationId xmlns:a16="http://schemas.microsoft.com/office/drawing/2014/main" id="{08155BA3-8BB1-D4E8-AE84-1AAFDDC80EA9}"/>
-            </a:ext>
-          </a:extLst>
-        </p:cNvPr>
+        <p:cNvPr id="1" name=""/>
         <p:cNvGrpSpPr/>
         <p:nvPr/>
       </p:nvGrpSpPr>
@@ -8186,20 +8932,14 @@
       </p:grpSpPr>
       <p:sp>
         <p:nvSpPr>
-          <p:cNvPr id="4" name="Rectangle 3">
-            <a:extLst>
-              <a:ext uri="{FF2B5EF4-FFF2-40B4-BE49-F238E27FC236}">
-                <a16:creationId xmlns:a16="http://schemas.microsoft.com/office/drawing/2014/main" id="{3327CCB3-6193-A4D5-3EC4-C4C6C90AC466}"/>
-              </a:ext>
-            </a:extLst>
-          </p:cNvPr>
+          <p:cNvPr id="4" name="Rectangle 3"/>
           <p:cNvSpPr/>
           <p:nvPr/>
         </p:nvSpPr>
         <p:spPr>
           <a:xfrm>
-            <a:off x="11353800" y="0"/>
-            <a:ext cx="6934200" cy="10287000"/>
+            <a:off x="9861630" y="0"/>
+            <a:ext cx="8426370" cy="10287000"/>
           </a:xfrm>
           <a:prstGeom prst="rect">
             <a:avLst/>
@@ -8238,13 +8978,7 @@
       </p:sp>
       <p:pic>
         <p:nvPicPr>
-          <p:cNvPr id="2" name="Picture 1">
-            <a:extLst>
-              <a:ext uri="{FF2B5EF4-FFF2-40B4-BE49-F238E27FC236}">
-                <a16:creationId xmlns:a16="http://schemas.microsoft.com/office/drawing/2014/main" id="{8AAFD93A-D5EC-3200-99F7-C3ADE2A9BE02}"/>
-              </a:ext>
-            </a:extLst>
-          </p:cNvPr>
+          <p:cNvPr id="2" name="Picture 1"/>
           <p:cNvPicPr>
             <a:picLocks noChangeAspect="1"/>
           </p:cNvPicPr>
@@ -8273,20 +9007,14 @@
       </p:pic>
       <p:sp>
         <p:nvSpPr>
-          <p:cNvPr id="3" name="TextBox 2">
-            <a:extLst>
-              <a:ext uri="{FF2B5EF4-FFF2-40B4-BE49-F238E27FC236}">
-                <a16:creationId xmlns:a16="http://schemas.microsoft.com/office/drawing/2014/main" id="{0416716D-F76F-19C5-A4EE-7275704707D7}"/>
-              </a:ext>
-            </a:extLst>
-          </p:cNvPr>
+          <p:cNvPr id="3" name="TextBox 2"/>
           <p:cNvSpPr txBox="1"/>
           <p:nvPr/>
         </p:nvSpPr>
         <p:spPr>
           <a:xfrm>
-            <a:off x="260430" y="329879"/>
-            <a:ext cx="10788569" cy="7631256"/>
+            <a:off x="260431" y="329879"/>
+            <a:ext cx="8906720" cy="9596986"/>
           </a:xfrm>
           <a:prstGeom prst="rect">
             <a:avLst/>
@@ -8306,7 +9034,43 @@
                 </a:solidFill>
                 <a:latin typeface="Pragmatica" panose="020B0403040502020204" pitchFamily="34" charset="0"/>
               </a:rPr>
-              <a:t>Advanced Analytics exercises</a:t>
+              <a:t>There’s more to Python </a:t>
+            </a:r>
+            <a:r>
+              <a:rPr lang="en-US" sz="6000" b="1" i="1" dirty="0">
+                <a:solidFill>
+                  <a:srgbClr val="CF3338"/>
+                </a:solidFill>
+                <a:latin typeface="Pragmatica" panose="020B0403040502020204" pitchFamily="34" charset="0"/>
+              </a:rPr>
+              <a:t>and</a:t>
+            </a:r>
+            <a:r>
+              <a:rPr lang="en-US" sz="6000" b="1" dirty="0">
+                <a:solidFill>
+                  <a:srgbClr val="CF3338"/>
+                </a:solidFill>
+                <a:latin typeface="Pragmatica" panose="020B0403040502020204" pitchFamily="34" charset="0"/>
+              </a:rPr>
+              <a:t> Excel than Python </a:t>
+            </a:r>
+            <a:r>
+              <a:rPr lang="en-US" sz="6000" b="1" i="1" dirty="0">
+                <a:solidFill>
+                  <a:srgbClr val="CF3338"/>
+                </a:solidFill>
+                <a:latin typeface="Pragmatica" panose="020B0403040502020204" pitchFamily="34" charset="0"/>
+              </a:rPr>
+              <a:t>in </a:t>
+            </a:r>
+            <a:r>
+              <a:rPr lang="en-US" sz="6000" b="1" dirty="0">
+                <a:solidFill>
+                  <a:srgbClr val="CF3338"/>
+                </a:solidFill>
+                <a:latin typeface="Pragmatica" panose="020B0403040502020204" pitchFamily="34" charset="0"/>
+              </a:rPr>
+              <a:t>Excel</a:t>
             </a:r>
           </a:p>
           <a:p>
@@ -8318,7 +9082,7 @@
             </a:endParaRPr>
           </a:p>
           <a:p>
-            <a:pPr marL="714375" indent="-571500">
+            <a:pPr marL="685800" indent="-542925">
               <a:lnSpc>
                 <a:spcPct val="115000"/>
               </a:lnSpc>
@@ -8329,32 +9093,22 @@
                 <a:srgbClr val="C00000"/>
               </a:buClr>
               <a:buSzPts val="2100"/>
-              <a:buFont typeface="Arial" panose="020B0604020202020204" pitchFamily="34" charset="0"/>
-              <a:buChar char="•"/>
+              <a:buFont typeface="Arial"/>
+              <a:buAutoNum type="arabicPeriod"/>
             </a:pPr>
             <a:r>
-              <a:rPr lang="en-US" sz="4400" dirty="0">
+              <a:rPr lang="en-US" sz="3600" dirty="0">
                 <a:solidFill>
                   <a:srgbClr val="C00000"/>
                 </a:solidFill>
                 <a:latin typeface="Pragmatica" panose="020B0403040502020204"/>
                 <a:sym typeface="Consolas"/>
               </a:rPr>
-              <a:t>Workbook: </a:t>
-            </a:r>
-            <a:r>
-              <a:rPr lang="en-US" sz="4400" dirty="0">
-                <a:solidFill>
-                  <a:srgbClr val="C00000"/>
-                </a:solidFill>
-                <a:latin typeface="Consolas" panose="020B0609020204030204" pitchFamily="49" charset="0"/>
-                <a:sym typeface="Consolas"/>
-              </a:rPr>
-              <a:t>advanced-analytics-exercises.xlsx</a:t>
-            </a:r>
-          </a:p>
-          <a:p>
-            <a:pPr marL="714375" indent="-571500">
+              <a:t>Python in Excel is all about data analysis, visualization, statistics &amp; ML</a:t>
+            </a:r>
+          </a:p>
+          <a:p>
+            <a:pPr marL="685800" indent="-542925">
               <a:lnSpc>
                 <a:spcPct val="115000"/>
               </a:lnSpc>
@@ -8365,22 +9119,22 @@
                 <a:srgbClr val="C00000"/>
               </a:buClr>
               <a:buSzPts val="2100"/>
-              <a:buFont typeface="Arial" panose="020B0604020202020204" pitchFamily="34" charset="0"/>
-              <a:buChar char="•"/>
+              <a:buFont typeface="Arial"/>
+              <a:buAutoNum type="arabicPeriod"/>
             </a:pPr>
             <a:r>
-              <a:rPr lang="en-US" sz="4400" dirty="0">
+              <a:rPr lang="en-US" sz="3600" dirty="0">
                 <a:solidFill>
                   <a:srgbClr val="C00000"/>
                 </a:solidFill>
                 <a:latin typeface="Pragmatica" panose="020B0403040502020204"/>
                 <a:sym typeface="Consolas"/>
               </a:rPr>
-              <a:t>Use Advanced Analytics for AI-assisted analysis of these datasets!</a:t>
-            </a:r>
-          </a:p>
-          <a:p>
-            <a:pPr marL="714375" indent="-571500">
+              <a:t>It lacks Excel automation capabilities</a:t>
+            </a:r>
+          </a:p>
+          <a:p>
+            <a:pPr marL="685800" indent="-542925">
               <a:lnSpc>
                 <a:spcPct val="115000"/>
               </a:lnSpc>
@@ -8391,32 +9145,22 @@
                 <a:srgbClr val="C00000"/>
               </a:buClr>
               <a:buSzPts val="2100"/>
-              <a:buFont typeface="Arial" panose="020B0604020202020204" pitchFamily="34" charset="0"/>
-              <a:buChar char="•"/>
+              <a:buFont typeface="Arial"/>
+              <a:buAutoNum type="arabicPeriod"/>
             </a:pPr>
             <a:r>
-              <a:rPr lang="en-US" sz="4400" dirty="0">
+              <a:rPr lang="en-US" sz="3600" dirty="0">
                 <a:solidFill>
                   <a:srgbClr val="C00000"/>
                 </a:solidFill>
                 <a:latin typeface="Pragmatica" panose="020B0403040502020204"/>
                 <a:sym typeface="Consolas"/>
               </a:rPr>
-              <a:t>Suggested topics for exploration in </a:t>
-            </a:r>
-            <a:r>
-              <a:rPr lang="en-US" sz="4400" dirty="0">
-                <a:solidFill>
-                  <a:srgbClr val="C00000"/>
-                </a:solidFill>
-                <a:latin typeface="Consolas" panose="020B0609020204030204" pitchFamily="49" charset="0"/>
-                <a:sym typeface="Consolas"/>
-              </a:rPr>
-              <a:t>advanced-analysis-exercises.pdf</a:t>
-            </a:r>
-          </a:p>
-          <a:p>
-            <a:pPr marL="714375" indent="-571500">
+              <a:t>Let’s automate an entire Excel workbook from Python… without opening Excel!</a:t>
+            </a:r>
+          </a:p>
+          <a:p>
+            <a:pPr marL="685800" indent="-542925">
               <a:lnSpc>
                 <a:spcPct val="115000"/>
               </a:lnSpc>
@@ -8427,25 +9171,71 @@
                 <a:srgbClr val="C00000"/>
               </a:buClr>
               <a:buSzPts val="2100"/>
-              <a:buFont typeface="Arial" panose="020B0604020202020204" pitchFamily="34" charset="0"/>
-              <a:buChar char="•"/>
+              <a:buFont typeface="Arial"/>
+              <a:buAutoNum type="arabicPeriod"/>
             </a:pPr>
-            <a:r>
-              <a:rPr lang="en-US" sz="4400" dirty="0">
-                <a:solidFill>
-                  <a:srgbClr val="CF3338"/>
+            <a:endParaRPr lang="en-US" sz="3600" dirty="0">
+              <a:solidFill>
+                <a:srgbClr val="C00000"/>
+              </a:solidFill>
+              <a:latin typeface="Pragmatica" panose="020B0403040502020204"/>
+              <a:sym typeface="Consolas"/>
+            </a:endParaRPr>
+          </a:p>
+          <a:p>
+            <a:pPr marL="142875">
+              <a:lnSpc>
+                <a:spcPct val="115000"/>
+              </a:lnSpc>
+              <a:spcBef>
+                <a:spcPts val="1125"/>
+              </a:spcBef>
+              <a:buClr>
+                <a:srgbClr val="C00000"/>
+              </a:buClr>
+              <a:buSzPts val="2100"/>
+            </a:pPr>
+            <a:r>
+              <a:rPr lang="en-US" sz="3600" dirty="0">
+                <a:solidFill>
+                  <a:srgbClr val="C00000"/>
                 </a:solidFill>
                 <a:latin typeface="Pragmatica" panose="020B0403040502020204"/>
-              </a:rPr>
-              <a:t>Share your insights!</a:t>
-            </a:r>
+                <a:sym typeface="Consolas"/>
+              </a:rPr>
+              <a:t>File: </a:t>
+            </a:r>
+            <a:r>
+              <a:rPr lang="en-US" sz="3600" dirty="0" err="1">
+                <a:solidFill>
+                  <a:srgbClr val="C00000"/>
+                </a:solidFill>
+                <a:latin typeface="Consolas" panose="020B0609020204030204" pitchFamily="49" charset="0"/>
+                <a:sym typeface="Consolas"/>
+              </a:rPr>
+              <a:t>pae-pie.ipynb</a:t>
+            </a:r>
+            <a:endParaRPr lang="en-US" sz="6000" dirty="0">
+              <a:solidFill>
+                <a:srgbClr val="CF3338"/>
+              </a:solidFill>
+              <a:latin typeface="Consolas" panose="020B0609020204030204" pitchFamily="49" charset="0"/>
+            </a:endParaRPr>
+          </a:p>
+          <a:p>
+            <a:endParaRPr lang="en-US" sz="6000" dirty="0">
+              <a:solidFill>
+                <a:srgbClr val="CF3338"/>
+              </a:solidFill>
+              <a:latin typeface="Pragmatica" panose="020B0403040502020204" pitchFamily="34" charset="0"/>
+            </a:endParaRPr>
           </a:p>
         </p:txBody>
       </p:sp>
     </p:spTree>
     <p:extLst>
       <p:ext uri="{BB962C8B-B14F-4D97-AF65-F5344CB8AC3E}">
-        <p14:creationId xmlns:p14="http://schemas.microsoft.com/office/powerpoint/2010/main" val="3701366554"/>
+        <p14:creationId xmlns:p14="http://schemas.microsoft.com/office/powerpoint/2010/main" val="2938274525"/>
       </p:ext>
     </p:extLst>
   </p:cSld>
@@ -8455,7 +9245,7 @@
 </p:sld>
 </file>
 
-<file path=ppt/slides/slide21.xml><?xml version="1.0" encoding="utf-8"?>
+<file path=ppt/slides/slide25.xml><?xml version="1.0" encoding="utf-8"?>
 <p:sld xmlns:a="http://schemas.openxmlformats.org/drawingml/2006/main" xmlns:r="http://schemas.openxmlformats.org/officeDocument/2006/relationships" xmlns:p="http://schemas.openxmlformats.org/presentationml/2006/main">
   <p:cSld>
     <p:spTree>
@@ -8475,6 +9265,515 @@
       <p:sp>
         <p:nvSpPr>
           <p:cNvPr id="4" name="Rectangle 3"/>
+          <p:cNvSpPr/>
+          <p:nvPr/>
+        </p:nvSpPr>
+        <p:spPr>
+          <a:xfrm>
+            <a:off x="9861630" y="0"/>
+            <a:ext cx="8426370" cy="10287000"/>
+          </a:xfrm>
+          <a:prstGeom prst="rect">
+            <a:avLst/>
+          </a:prstGeom>
+          <a:solidFill>
+            <a:srgbClr val="CF3338"/>
+          </a:solidFill>
+          <a:ln>
+            <a:noFill/>
+          </a:ln>
+        </p:spPr>
+        <p:style>
+          <a:lnRef idx="2">
+            <a:schemeClr val="accent1">
+              <a:shade val="50000"/>
+            </a:schemeClr>
+          </a:lnRef>
+          <a:fillRef idx="1">
+            <a:schemeClr val="accent1"/>
+          </a:fillRef>
+          <a:effectRef idx="0">
+            <a:schemeClr val="accent1"/>
+          </a:effectRef>
+          <a:fontRef idx="minor">
+            <a:schemeClr val="lt1"/>
+          </a:fontRef>
+        </p:style>
+        <p:txBody>
+          <a:bodyPr rtlCol="0" anchor="ctr"/>
+          <a:lstStyle/>
+          <a:p>
+            <a:pPr algn="ctr"/>
+            <a:endParaRPr lang="en-US" sz="2700"/>
+          </a:p>
+        </p:txBody>
+      </p:sp>
+      <p:pic>
+        <p:nvPicPr>
+          <p:cNvPr id="2" name="Picture 1"/>
+          <p:cNvPicPr>
+            <a:picLocks noChangeAspect="1"/>
+          </p:cNvPicPr>
+          <p:nvPr/>
+        </p:nvPicPr>
+        <p:blipFill rotWithShape="1">
+          <a:blip r:embed="rId3">
+            <a:extLst>
+              <a:ext uri="{28A0092B-C50C-407E-A947-70E740481C1C}">
+                <a14:useLocalDpi xmlns:a14="http://schemas.microsoft.com/office/drawing/2010/main" val="0"/>
+              </a:ext>
+            </a:extLst>
+          </a:blip>
+          <a:srcRect l="69227" t="33418" r="20112" b="50548"/>
+          <a:stretch/>
+        </p:blipFill>
+        <p:spPr>
+          <a:xfrm>
+            <a:off x="15579524" y="7544693"/>
+            <a:ext cx="2708477" cy="2987579"/>
+          </a:xfrm>
+          <a:prstGeom prst="rect">
+            <a:avLst/>
+          </a:prstGeom>
+        </p:spPr>
+      </p:pic>
+      <p:sp>
+        <p:nvSpPr>
+          <p:cNvPr id="3" name="TextBox 2"/>
+          <p:cNvSpPr txBox="1"/>
+          <p:nvPr/>
+        </p:nvSpPr>
+        <p:spPr>
+          <a:xfrm>
+            <a:off x="260431" y="329879"/>
+            <a:ext cx="8906720" cy="8313558"/>
+          </a:xfrm>
+          <a:prstGeom prst="rect">
+            <a:avLst/>
+          </a:prstGeom>
+          <a:noFill/>
+        </p:spPr>
+        <p:txBody>
+          <a:bodyPr wrap="square" rtlCol="0">
+            <a:spAutoFit/>
+          </a:bodyPr>
+          <a:lstStyle/>
+          <a:p>
+            <a:r>
+              <a:rPr lang="en-US" sz="6000" b="1" dirty="0">
+                <a:solidFill>
+                  <a:srgbClr val="CF3338"/>
+                </a:solidFill>
+                <a:latin typeface="Pragmatica" panose="020B0403040502020204" pitchFamily="34" charset="0"/>
+              </a:rPr>
+              <a:t>There’s more to Python </a:t>
+            </a:r>
+            <a:r>
+              <a:rPr lang="en-US" sz="6000" b="1" i="1" dirty="0">
+                <a:solidFill>
+                  <a:srgbClr val="CF3338"/>
+                </a:solidFill>
+                <a:latin typeface="Pragmatica" panose="020B0403040502020204" pitchFamily="34" charset="0"/>
+              </a:rPr>
+              <a:t>and</a:t>
+            </a:r>
+            <a:r>
+              <a:rPr lang="en-US" sz="6000" b="1" dirty="0">
+                <a:solidFill>
+                  <a:srgbClr val="CF3338"/>
+                </a:solidFill>
+                <a:latin typeface="Pragmatica" panose="020B0403040502020204" pitchFamily="34" charset="0"/>
+              </a:rPr>
+              <a:t> Excel than Python </a:t>
+            </a:r>
+            <a:r>
+              <a:rPr lang="en-US" sz="6000" b="1" i="1" dirty="0">
+                <a:solidFill>
+                  <a:srgbClr val="CF3338"/>
+                </a:solidFill>
+                <a:latin typeface="Pragmatica" panose="020B0403040502020204" pitchFamily="34" charset="0"/>
+              </a:rPr>
+              <a:t>in </a:t>
+            </a:r>
+            <a:r>
+              <a:rPr lang="en-US" sz="6000" b="1" dirty="0">
+                <a:solidFill>
+                  <a:srgbClr val="CF3338"/>
+                </a:solidFill>
+                <a:latin typeface="Pragmatica" panose="020B0403040502020204" pitchFamily="34" charset="0"/>
+              </a:rPr>
+              <a:t>Excel EXERCISE</a:t>
+            </a:r>
+          </a:p>
+          <a:p>
+            <a:pPr marL="142875">
+              <a:lnSpc>
+                <a:spcPct val="115000"/>
+              </a:lnSpc>
+              <a:spcBef>
+                <a:spcPts val="1125"/>
+              </a:spcBef>
+              <a:buClr>
+                <a:srgbClr val="C00000"/>
+              </a:buClr>
+              <a:buSzPts val="2100"/>
+            </a:pPr>
+            <a:endParaRPr lang="en-US" sz="3600" dirty="0">
+              <a:solidFill>
+                <a:srgbClr val="C00000"/>
+              </a:solidFill>
+              <a:latin typeface="Pragmatica" panose="020B0403040502020204"/>
+              <a:sym typeface="Consolas"/>
+            </a:endParaRPr>
+          </a:p>
+          <a:p>
+            <a:pPr marL="714375" indent="-571500">
+              <a:lnSpc>
+                <a:spcPct val="115000"/>
+              </a:lnSpc>
+              <a:spcBef>
+                <a:spcPts val="1125"/>
+              </a:spcBef>
+              <a:buClr>
+                <a:srgbClr val="C00000"/>
+              </a:buClr>
+              <a:buSzPts val="2100"/>
+              <a:buFont typeface="Arial" panose="020B0604020202020204" pitchFamily="34" charset="0"/>
+              <a:buChar char="•"/>
+            </a:pPr>
+            <a:r>
+              <a:rPr lang="en-US" sz="3600" dirty="0">
+                <a:solidFill>
+                  <a:srgbClr val="C00000"/>
+                </a:solidFill>
+                <a:latin typeface="Pragmatica" panose="020B0403040502020204"/>
+                <a:sym typeface="Consolas"/>
+              </a:rPr>
+              <a:t>Automate production of a workbook comparing website visitors versus rating</a:t>
+            </a:r>
+          </a:p>
+          <a:p>
+            <a:pPr marL="714375" indent="-571500">
+              <a:lnSpc>
+                <a:spcPct val="115000"/>
+              </a:lnSpc>
+              <a:spcBef>
+                <a:spcPts val="1125"/>
+              </a:spcBef>
+              <a:buClr>
+                <a:srgbClr val="C00000"/>
+              </a:buClr>
+              <a:buSzPts val="2100"/>
+              <a:buFont typeface="Arial" panose="020B0604020202020204" pitchFamily="34" charset="0"/>
+              <a:buChar char="•"/>
+            </a:pPr>
+            <a:r>
+              <a:rPr lang="en-US" sz="3600" dirty="0">
+                <a:solidFill>
+                  <a:srgbClr val="C00000"/>
+                </a:solidFill>
+                <a:latin typeface="Pragmatica" panose="020B0403040502020204"/>
+                <a:sym typeface="Consolas"/>
+              </a:rPr>
+              <a:t>Fill in the blanks to create the script</a:t>
+            </a:r>
+          </a:p>
+          <a:p>
+            <a:pPr marL="685800" indent="-542925">
+              <a:lnSpc>
+                <a:spcPct val="115000"/>
+              </a:lnSpc>
+              <a:spcBef>
+                <a:spcPts val="1125"/>
+              </a:spcBef>
+              <a:buClr>
+                <a:srgbClr val="C00000"/>
+              </a:buClr>
+              <a:buSzPts val="2100"/>
+              <a:buFont typeface="Arial"/>
+              <a:buAutoNum type="arabicPeriod"/>
+            </a:pPr>
+            <a:endParaRPr lang="en-US" sz="3600" dirty="0">
+              <a:solidFill>
+                <a:srgbClr val="C00000"/>
+              </a:solidFill>
+              <a:latin typeface="Pragmatica" panose="020B0403040502020204"/>
+              <a:sym typeface="Consolas"/>
+            </a:endParaRPr>
+          </a:p>
+          <a:p>
+            <a:pPr marL="142875">
+              <a:lnSpc>
+                <a:spcPct val="115000"/>
+              </a:lnSpc>
+              <a:spcBef>
+                <a:spcPts val="1125"/>
+              </a:spcBef>
+              <a:buClr>
+                <a:srgbClr val="C00000"/>
+              </a:buClr>
+              <a:buSzPts val="2100"/>
+            </a:pPr>
+            <a:r>
+              <a:rPr lang="en-US" sz="3600" dirty="0">
+                <a:solidFill>
+                  <a:srgbClr val="C00000"/>
+                </a:solidFill>
+                <a:latin typeface="Pragmatica" panose="020B0403040502020204"/>
+                <a:sym typeface="Consolas"/>
+              </a:rPr>
+              <a:t>File: </a:t>
+            </a:r>
+            <a:r>
+              <a:rPr lang="en-US" sz="3600" dirty="0" err="1">
+                <a:solidFill>
+                  <a:srgbClr val="C00000"/>
+                </a:solidFill>
+                <a:latin typeface="Consolas" panose="020B0609020204030204" pitchFamily="49" charset="0"/>
+                <a:sym typeface="Consolas"/>
+              </a:rPr>
+              <a:t>pae</a:t>
+            </a:r>
+            <a:r>
+              <a:rPr lang="en-US" sz="3600" dirty="0">
+                <a:solidFill>
+                  <a:srgbClr val="C00000"/>
+                </a:solidFill>
+                <a:latin typeface="Consolas" panose="020B0609020204030204" pitchFamily="49" charset="0"/>
+                <a:sym typeface="Consolas"/>
+              </a:rPr>
+              <a:t>-pie-</a:t>
+            </a:r>
+            <a:r>
+              <a:rPr lang="en-US" sz="3600" dirty="0" err="1">
+                <a:solidFill>
+                  <a:srgbClr val="C00000"/>
+                </a:solidFill>
+                <a:latin typeface="Consolas" panose="020B0609020204030204" pitchFamily="49" charset="0"/>
+                <a:sym typeface="Consolas"/>
+              </a:rPr>
+              <a:t>exercise.ipynb</a:t>
+            </a:r>
+            <a:endParaRPr lang="en-US" sz="6000" dirty="0">
+              <a:solidFill>
+                <a:srgbClr val="CF3338"/>
+              </a:solidFill>
+              <a:latin typeface="Consolas" panose="020B0609020204030204" pitchFamily="49" charset="0"/>
+            </a:endParaRPr>
+          </a:p>
+          <a:p>
+            <a:endParaRPr lang="en-US" sz="6000" dirty="0">
+              <a:solidFill>
+                <a:srgbClr val="CF3338"/>
+              </a:solidFill>
+              <a:latin typeface="Pragmatica" panose="020B0403040502020204" pitchFamily="34" charset="0"/>
+            </a:endParaRPr>
+          </a:p>
+        </p:txBody>
+      </p:sp>
+    </p:spTree>
+    <p:extLst>
+      <p:ext uri="{BB962C8B-B14F-4D97-AF65-F5344CB8AC3E}">
+        <p14:creationId xmlns:p14="http://schemas.microsoft.com/office/powerpoint/2010/main" val="2531284725"/>
+      </p:ext>
+    </p:extLst>
+  </p:cSld>
+  <p:clrMapOvr>
+    <a:masterClrMapping/>
+  </p:clrMapOvr>
+</p:sld>
+</file>
+
+<file path=ppt/slides/slide26.xml><?xml version="1.0" encoding="utf-8"?>
+<p:sld xmlns:a="http://schemas.openxmlformats.org/drawingml/2006/main" xmlns:r="http://schemas.openxmlformats.org/officeDocument/2006/relationships" xmlns:p="http://schemas.openxmlformats.org/presentationml/2006/main">
+  <p:cSld>
+    <p:spTree>
+      <p:nvGrpSpPr>
+        <p:cNvPr id="1" name=""/>
+        <p:cNvGrpSpPr/>
+        <p:nvPr/>
+      </p:nvGrpSpPr>
+      <p:grpSpPr>
+        <a:xfrm>
+          <a:off x="0" y="0"/>
+          <a:ext cx="0" cy="0"/>
+          <a:chOff x="0" y="0"/>
+          <a:chExt cx="0" cy="0"/>
+        </a:xfrm>
+      </p:grpSpPr>
+      <p:pic>
+        <p:nvPicPr>
+          <p:cNvPr id="10" name="Picture 9"/>
+          <p:cNvPicPr>
+            <a:picLocks noChangeAspect="1"/>
+          </p:cNvPicPr>
+          <p:nvPr/>
+        </p:nvPicPr>
+        <p:blipFill rotWithShape="1">
+          <a:blip r:embed="rId2">
+            <a:extLst>
+              <a:ext uri="{28A0092B-C50C-407E-A947-70E740481C1C}">
+                <a14:useLocalDpi xmlns:a14="http://schemas.microsoft.com/office/drawing/2010/main" val="0"/>
+              </a:ext>
+            </a:extLst>
+          </a:blip>
+          <a:srcRect l="50728" t="56371"/>
+          <a:stretch/>
+        </p:blipFill>
+        <p:spPr>
+          <a:xfrm>
+            <a:off x="12204691" y="3316148"/>
+            <a:ext cx="6083309" cy="6970854"/>
+          </a:xfrm>
+          <a:prstGeom prst="rect">
+            <a:avLst/>
+          </a:prstGeom>
+        </p:spPr>
+      </p:pic>
+      <p:pic>
+        <p:nvPicPr>
+          <p:cNvPr id="4" name="Picture 3"/>
+          <p:cNvPicPr>
+            <a:picLocks noChangeAspect="1"/>
+          </p:cNvPicPr>
+          <p:nvPr/>
+        </p:nvPicPr>
+        <p:blipFill>
+          <a:blip r:embed="rId3">
+            <a:extLst>
+              <a:ext uri="{28A0092B-C50C-407E-A947-70E740481C1C}">
+                <a14:useLocalDpi xmlns:a14="http://schemas.microsoft.com/office/drawing/2010/main" val="0"/>
+              </a:ext>
+            </a:extLst>
+          </a:blip>
+          <a:stretch>
+            <a:fillRect/>
+          </a:stretch>
+        </p:blipFill>
+        <p:spPr>
+          <a:xfrm>
+            <a:off x="-807744" y="-3724155"/>
+            <a:ext cx="15257208" cy="11189825"/>
+          </a:xfrm>
+          <a:prstGeom prst="rect">
+            <a:avLst/>
+          </a:prstGeom>
+        </p:spPr>
+      </p:pic>
+      <p:sp>
+        <p:nvSpPr>
+          <p:cNvPr id="11" name="TextBox 10"/>
+          <p:cNvSpPr txBox="1"/>
+          <p:nvPr/>
+        </p:nvSpPr>
+        <p:spPr>
+          <a:xfrm>
+            <a:off x="486137" y="2531318"/>
+            <a:ext cx="11979797" cy="923330"/>
+          </a:xfrm>
+          <a:prstGeom prst="rect">
+            <a:avLst/>
+          </a:prstGeom>
+          <a:noFill/>
+        </p:spPr>
+        <p:txBody>
+          <a:bodyPr wrap="square" rtlCol="0">
+            <a:spAutoFit/>
+          </a:bodyPr>
+          <a:lstStyle/>
+          <a:p>
+            <a:r>
+              <a:rPr lang="en-US" sz="5400" b="1" dirty="0">
+                <a:solidFill>
+                  <a:srgbClr val="CF3338"/>
+                </a:solidFill>
+                <a:latin typeface="Pragmatica" panose="020B0403040502020204" pitchFamily="34" charset="0"/>
+              </a:rPr>
+              <a:t>Questions?</a:t>
+            </a:r>
+          </a:p>
+        </p:txBody>
+      </p:sp>
+      <p:pic>
+        <p:nvPicPr>
+          <p:cNvPr id="5" name="Picture 4">
+            <a:extLst>
+              <a:ext uri="{FF2B5EF4-FFF2-40B4-BE49-F238E27FC236}">
+                <a16:creationId xmlns:a16="http://schemas.microsoft.com/office/drawing/2014/main" id="{54A06221-5316-4BCF-9FDA-BDB95FF4A778}"/>
+              </a:ext>
+            </a:extLst>
+          </p:cNvPr>
+          <p:cNvPicPr>
+            <a:picLocks noChangeAspect="1"/>
+          </p:cNvPicPr>
+          <p:nvPr/>
+        </p:nvPicPr>
+        <p:blipFill>
+          <a:blip r:embed="rId4">
+            <a:extLst>
+              <a:ext uri="{28A0092B-C50C-407E-A947-70E740481C1C}">
+                <a14:useLocalDpi xmlns:a14="http://schemas.microsoft.com/office/drawing/2010/main" val="0"/>
+              </a:ext>
+            </a:extLst>
+          </a:blip>
+          <a:srcRect/>
+          <a:stretch/>
+        </p:blipFill>
+        <p:spPr>
+          <a:xfrm>
+            <a:off x="12204691" y="3317239"/>
+            <a:ext cx="6083309" cy="6968672"/>
+          </a:xfrm>
+          <a:prstGeom prst="rect">
+            <a:avLst/>
+          </a:prstGeom>
+        </p:spPr>
+      </p:pic>
+    </p:spTree>
+    <p:extLst>
+      <p:ext uri="{BB962C8B-B14F-4D97-AF65-F5344CB8AC3E}">
+        <p14:creationId xmlns:p14="http://schemas.microsoft.com/office/powerpoint/2010/main" val="59831101"/>
+      </p:ext>
+    </p:extLst>
+  </p:cSld>
+  <p:clrMapOvr>
+    <a:masterClrMapping/>
+  </p:clrMapOvr>
+</p:sld>
+</file>
+
+<file path=ppt/slides/slide27.xml><?xml version="1.0" encoding="utf-8"?>
+<p:sld xmlns:a="http://schemas.openxmlformats.org/drawingml/2006/main" xmlns:r="http://schemas.openxmlformats.org/officeDocument/2006/relationships" xmlns:p="http://schemas.openxmlformats.org/presentationml/2006/main">
+  <p:cSld>
+    <p:spTree>
+      <p:nvGrpSpPr>
+        <p:cNvPr id="1" name="">
+          <a:extLst>
+            <a:ext uri="{FF2B5EF4-FFF2-40B4-BE49-F238E27FC236}">
+              <a16:creationId xmlns:a16="http://schemas.microsoft.com/office/drawing/2014/main" id="{E85323C9-D5F7-C820-78B9-E169BDF2311C}"/>
+            </a:ext>
+          </a:extLst>
+        </p:cNvPr>
+        <p:cNvGrpSpPr/>
+        <p:nvPr/>
+      </p:nvGrpSpPr>
+      <p:grpSpPr>
+        <a:xfrm>
+          <a:off x="0" y="0"/>
+          <a:ext cx="0" cy="0"/>
+          <a:chOff x="0" y="0"/>
+          <a:chExt cx="0" cy="0"/>
+        </a:xfrm>
+      </p:grpSpPr>
+      <p:sp>
+        <p:nvSpPr>
+          <p:cNvPr id="4" name="Rectangle 3">
+            <a:extLst>
+              <a:ext uri="{FF2B5EF4-FFF2-40B4-BE49-F238E27FC236}">
+                <a16:creationId xmlns:a16="http://schemas.microsoft.com/office/drawing/2014/main" id="{28971779-1F50-1702-DEC1-87CD482189F0}"/>
+              </a:ext>
+            </a:extLst>
+          </p:cNvPr>
           <p:cNvSpPr/>
           <p:nvPr/>
         </p:nvSpPr>
@@ -8520,14 +9819,20 @@
       </p:sp>
       <p:sp>
         <p:nvSpPr>
-          <p:cNvPr id="5" name="TextBox 4"/>
+          <p:cNvPr id="5" name="TextBox 4">
+            <a:extLst>
+              <a:ext uri="{FF2B5EF4-FFF2-40B4-BE49-F238E27FC236}">
+                <a16:creationId xmlns:a16="http://schemas.microsoft.com/office/drawing/2014/main" id="{5ECC4C7B-C529-5329-03AC-796804551DC1}"/>
+              </a:ext>
+            </a:extLst>
+          </p:cNvPr>
           <p:cNvSpPr txBox="1"/>
           <p:nvPr/>
         </p:nvSpPr>
         <p:spPr>
           <a:xfrm>
             <a:off x="781292" y="590309"/>
-            <a:ext cx="15486926" cy="4662815"/>
+            <a:ext cx="15486926" cy="1615827"/>
           </a:xfrm>
           <a:prstGeom prst="rect">
             <a:avLst/>
@@ -8547,43 +9852,7 @@
                 </a:solidFill>
                 <a:latin typeface="Normafixed Tryout" panose="00000409000000000000" pitchFamily="49" charset="0"/>
               </a:rPr>
-              <a:t>5. There’s more to Python </a:t>
-            </a:r>
-            <a:r>
-              <a:rPr lang="en-US" sz="9900" b="1" i="1" dirty="0">
-                <a:solidFill>
-                  <a:schemeClr val="bg1"/>
-                </a:solidFill>
-                <a:latin typeface="Normafixed Tryout" panose="00000409000000000000" pitchFamily="49" charset="0"/>
-              </a:rPr>
-              <a:t>and </a:t>
-            </a:r>
-            <a:r>
-              <a:rPr lang="en-US" sz="9900" b="1" dirty="0">
-                <a:solidFill>
-                  <a:schemeClr val="bg1"/>
-                </a:solidFill>
-                <a:latin typeface="Normafixed Tryout" panose="00000409000000000000" pitchFamily="49" charset="0"/>
-              </a:rPr>
-              <a:t>Excel than Python </a:t>
-            </a:r>
-            <a:r>
-              <a:rPr lang="en-US" sz="9900" b="1" i="1" dirty="0">
-                <a:solidFill>
-                  <a:schemeClr val="bg1"/>
-                </a:solidFill>
-                <a:latin typeface="Normafixed Tryout" panose="00000409000000000000" pitchFamily="49" charset="0"/>
-              </a:rPr>
-              <a:t>in </a:t>
-            </a:r>
-            <a:r>
-              <a:rPr lang="en-US" sz="9900" b="1" dirty="0">
-                <a:solidFill>
-                  <a:schemeClr val="bg1"/>
-                </a:solidFill>
-                <a:latin typeface="Normafixed Tryout" panose="00000409000000000000" pitchFamily="49" charset="0"/>
-              </a:rPr>
-              <a:t>Excel</a:t>
+              <a:t>Conclusion</a:t>
             </a:r>
           </a:p>
         </p:txBody>
@@ -8591,7 +9860,7 @@
     </p:spTree>
     <p:extLst>
       <p:ext uri="{BB962C8B-B14F-4D97-AF65-F5344CB8AC3E}">
-        <p14:creationId xmlns:p14="http://schemas.microsoft.com/office/powerpoint/2010/main" val="1915421395"/>
+        <p14:creationId xmlns:p14="http://schemas.microsoft.com/office/powerpoint/2010/main" val="358064314"/>
       </p:ext>
     </p:extLst>
   </p:cSld>
@@ -8601,12 +9870,18 @@
 </p:sld>
 </file>
 
-<file path=ppt/slides/slide22.xml><?xml version="1.0" encoding="utf-8"?>
+<file path=ppt/slides/slide28.xml><?xml version="1.0" encoding="utf-8"?>
 <p:sld xmlns:a="http://schemas.openxmlformats.org/drawingml/2006/main" xmlns:r="http://schemas.openxmlformats.org/officeDocument/2006/relationships" xmlns:p="http://schemas.openxmlformats.org/presentationml/2006/main">
   <p:cSld>
     <p:spTree>
       <p:nvGrpSpPr>
-        <p:cNvPr id="1" name=""/>
+        <p:cNvPr id="1" name="">
+          <a:extLst>
+            <a:ext uri="{FF2B5EF4-FFF2-40B4-BE49-F238E27FC236}">
+              <a16:creationId xmlns:a16="http://schemas.microsoft.com/office/drawing/2014/main" id="{EDD10D06-D0B5-9212-A34F-8F08B4D2DF86}"/>
+            </a:ext>
+          </a:extLst>
+        </p:cNvPr>
         <p:cNvGrpSpPr/>
         <p:nvPr/>
       </p:nvGrpSpPr>
@@ -8620,7 +9895,13 @@
       </p:grpSpPr>
       <p:sp>
         <p:nvSpPr>
-          <p:cNvPr id="4" name="Rectangle 3"/>
+          <p:cNvPr id="4" name="Rectangle 3">
+            <a:extLst>
+              <a:ext uri="{FF2B5EF4-FFF2-40B4-BE49-F238E27FC236}">
+                <a16:creationId xmlns:a16="http://schemas.microsoft.com/office/drawing/2014/main" id="{6764A5DC-38D4-7F12-151E-016E4E827436}"/>
+              </a:ext>
+            </a:extLst>
+          </p:cNvPr>
           <p:cNvSpPr/>
           <p:nvPr/>
         </p:nvSpPr>
@@ -8666,7 +9947,13 @@
       </p:sp>
       <p:pic>
         <p:nvPicPr>
-          <p:cNvPr id="2" name="Picture 1"/>
+          <p:cNvPr id="2" name="Picture 1">
+            <a:extLst>
+              <a:ext uri="{FF2B5EF4-FFF2-40B4-BE49-F238E27FC236}">
+                <a16:creationId xmlns:a16="http://schemas.microsoft.com/office/drawing/2014/main" id="{F59C7250-A4DB-0BEE-0BC0-39A290D09B14}"/>
+              </a:ext>
+            </a:extLst>
+          </p:cNvPr>
           <p:cNvPicPr>
             <a:picLocks noChangeAspect="1"/>
           </p:cNvPicPr>
@@ -8695,14 +9982,20 @@
       </p:pic>
       <p:sp>
         <p:nvSpPr>
-          <p:cNvPr id="3" name="TextBox 2"/>
+          <p:cNvPr id="3" name="TextBox 2">
+            <a:extLst>
+              <a:ext uri="{FF2B5EF4-FFF2-40B4-BE49-F238E27FC236}">
+                <a16:creationId xmlns:a16="http://schemas.microsoft.com/office/drawing/2014/main" id="{7477DFE9-D506-DBB3-AF0C-C6AE174A701B}"/>
+              </a:ext>
+            </a:extLst>
+          </p:cNvPr>
           <p:cNvSpPr txBox="1"/>
           <p:nvPr/>
         </p:nvSpPr>
         <p:spPr>
           <a:xfrm>
             <a:off x="260431" y="329879"/>
-            <a:ext cx="8906720" cy="9596986"/>
+            <a:ext cx="8906720" cy="4256037"/>
           </a:xfrm>
           <a:prstGeom prst="rect">
             <a:avLst/>
@@ -8722,7 +10015,7 @@
                 </a:solidFill>
                 <a:latin typeface="Pragmatica" panose="020B0403040502020204" pitchFamily="34" charset="0"/>
               </a:rPr>
-              <a:t>There’s more to Python </a:t>
+              <a:t>Resource: </a:t>
             </a:r>
             <a:r>
               <a:rPr lang="en-US" sz="6000" b="1" i="1" dirty="0">
@@ -8731,143 +10024,13 @@
                 </a:solidFill>
                 <a:latin typeface="Pragmatica" panose="020B0403040502020204" pitchFamily="34" charset="0"/>
               </a:rPr>
-              <a:t>and</a:t>
-            </a:r>
-            <a:r>
-              <a:rPr lang="en-US" sz="6000" b="1" dirty="0">
-                <a:solidFill>
-                  <a:srgbClr val="CF3338"/>
-                </a:solidFill>
-                <a:latin typeface="Pragmatica" panose="020B0403040502020204" pitchFamily="34" charset="0"/>
-              </a:rPr>
-              <a:t> Excel than Python </a:t>
-            </a:r>
-            <a:r>
-              <a:rPr lang="en-US" sz="6000" b="1" i="1" dirty="0">
-                <a:solidFill>
-                  <a:srgbClr val="CF3338"/>
-                </a:solidFill>
-                <a:latin typeface="Pragmatica" panose="020B0403040502020204" pitchFamily="34" charset="0"/>
-              </a:rPr>
-              <a:t>in </a:t>
-            </a:r>
-            <a:r>
-              <a:rPr lang="en-US" sz="6000" b="1" dirty="0">
-                <a:solidFill>
-                  <a:srgbClr val="CF3338"/>
-                </a:solidFill>
-                <a:latin typeface="Pragmatica" panose="020B0403040502020204" pitchFamily="34" charset="0"/>
-              </a:rPr>
-              <a:t>Excel</a:t>
-            </a:r>
-          </a:p>
-          <a:p>
-            <a:endParaRPr lang="en-US" sz="4200" dirty="0">
+              <a:t>Advancing into Analytics</a:t>
+            </a:r>
+            <a:endParaRPr lang="en-US" sz="6000" b="1" dirty="0">
               <a:solidFill>
                 <a:srgbClr val="CF3338"/>
               </a:solidFill>
               <a:latin typeface="Pragmatica" panose="020B0403040502020204" pitchFamily="34" charset="0"/>
-            </a:endParaRPr>
-          </a:p>
-          <a:p>
-            <a:pPr marL="685800" indent="-542925">
-              <a:lnSpc>
-                <a:spcPct val="115000"/>
-              </a:lnSpc>
-              <a:spcBef>
-                <a:spcPts val="1125"/>
-              </a:spcBef>
-              <a:buClr>
-                <a:srgbClr val="C00000"/>
-              </a:buClr>
-              <a:buSzPts val="2100"/>
-              <a:buFont typeface="Arial"/>
-              <a:buAutoNum type="arabicPeriod"/>
-            </a:pPr>
-            <a:r>
-              <a:rPr lang="en-US" sz="3600" dirty="0">
-                <a:solidFill>
-                  <a:srgbClr val="C00000"/>
-                </a:solidFill>
-                <a:latin typeface="Pragmatica" panose="020B0403040502020204"/>
-                <a:sym typeface="Consolas"/>
-              </a:rPr>
-              <a:t>Python in Excel is all about data analysis, visualization, statistics &amp; ML</a:t>
-            </a:r>
-          </a:p>
-          <a:p>
-            <a:pPr marL="685800" indent="-542925">
-              <a:lnSpc>
-                <a:spcPct val="115000"/>
-              </a:lnSpc>
-              <a:spcBef>
-                <a:spcPts val="1125"/>
-              </a:spcBef>
-              <a:buClr>
-                <a:srgbClr val="C00000"/>
-              </a:buClr>
-              <a:buSzPts val="2100"/>
-              <a:buFont typeface="Arial"/>
-              <a:buAutoNum type="arabicPeriod"/>
-            </a:pPr>
-            <a:r>
-              <a:rPr lang="en-US" sz="3600" dirty="0">
-                <a:solidFill>
-                  <a:srgbClr val="C00000"/>
-                </a:solidFill>
-                <a:latin typeface="Pragmatica" panose="020B0403040502020204"/>
-                <a:sym typeface="Consolas"/>
-              </a:rPr>
-              <a:t>It lacks Excel automation capabilities</a:t>
-            </a:r>
-          </a:p>
-          <a:p>
-            <a:pPr marL="685800" indent="-542925">
-              <a:lnSpc>
-                <a:spcPct val="115000"/>
-              </a:lnSpc>
-              <a:spcBef>
-                <a:spcPts val="1125"/>
-              </a:spcBef>
-              <a:buClr>
-                <a:srgbClr val="C00000"/>
-              </a:buClr>
-              <a:buSzPts val="2100"/>
-              <a:buFont typeface="Arial"/>
-              <a:buAutoNum type="arabicPeriod"/>
-            </a:pPr>
-            <a:r>
-              <a:rPr lang="en-US" sz="3600" dirty="0">
-                <a:solidFill>
-                  <a:srgbClr val="C00000"/>
-                </a:solidFill>
-                <a:latin typeface="Pragmatica" panose="020B0403040502020204"/>
-                <a:sym typeface="Consolas"/>
-              </a:rPr>
-              <a:t>Let’s automate an entire Excel workbook from Python… without opening Excel!</a:t>
-            </a:r>
-          </a:p>
-          <a:p>
-            <a:pPr marL="685800" indent="-542925">
-              <a:lnSpc>
-                <a:spcPct val="115000"/>
-              </a:lnSpc>
-              <a:spcBef>
-                <a:spcPts val="1125"/>
-              </a:spcBef>
-              <a:buClr>
-                <a:srgbClr val="C00000"/>
-              </a:buClr>
-              <a:buSzPts val="2100"/>
-              <a:buFont typeface="Arial"/>
-              <a:buAutoNum type="arabicPeriod"/>
-            </a:pPr>
-            <a:endParaRPr lang="en-US" sz="3600" dirty="0">
-              <a:solidFill>
-                <a:srgbClr val="C00000"/>
-              </a:solidFill>
-              <a:latin typeface="Pragmatica" panose="020B0403040502020204"/>
-              <a:sym typeface="Consolas"/>
             </a:endParaRPr>
           </a:p>
           <a:p>
@@ -8883,31 +10046,29 @@
               </a:buClr>
               <a:buSzPts val="2100"/>
             </a:pPr>
-            <a:r>
-              <a:rPr lang="en-US" sz="3600" dirty="0">
-                <a:solidFill>
-                  <a:srgbClr val="C00000"/>
-                </a:solidFill>
-                <a:latin typeface="Pragmatica" panose="020B0403040502020204"/>
-                <a:sym typeface="Consolas"/>
-              </a:rPr>
-              <a:t>File: </a:t>
-            </a:r>
-            <a:r>
-              <a:rPr lang="en-US" sz="3600" dirty="0" err="1">
-                <a:solidFill>
-                  <a:srgbClr val="C00000"/>
-                </a:solidFill>
-                <a:latin typeface="Consolas" panose="020B0609020204030204" pitchFamily="49" charset="0"/>
-                <a:sym typeface="Consolas"/>
-              </a:rPr>
-              <a:t>pae-pie.ipynb</a:t>
-            </a:r>
-            <a:endParaRPr lang="en-US" sz="6000" dirty="0">
+            <a:endParaRPr lang="en-US" sz="3600" dirty="0">
+              <a:solidFill>
+                <a:srgbClr val="C00000"/>
+              </a:solidFill>
+              <a:latin typeface="Pragmatica" panose="020B0403040502020204"/>
+              <a:sym typeface="Consolas"/>
+            </a:endParaRPr>
+          </a:p>
+          <a:p>
+            <a:r>
+              <a:rPr lang="en-US" sz="4000" dirty="0">
+                <a:solidFill>
+                  <a:srgbClr val="CF3338"/>
+                </a:solidFill>
+                <a:latin typeface="Pragmatica" panose="020B0403040502020204" pitchFamily="34" charset="0"/>
+              </a:rPr>
+              <a:t>stringfestanalytics.com/book</a:t>
+            </a:r>
+            <a:endParaRPr lang="en-US" sz="3600" dirty="0">
               <a:solidFill>
                 <a:srgbClr val="CF3338"/>
               </a:solidFill>
-              <a:latin typeface="Consolas" panose="020B0609020204030204" pitchFamily="49" charset="0"/>
+              <a:latin typeface="Pragmatica" panose="020B0403040502020204" pitchFamily="34" charset="0"/>
             </a:endParaRPr>
           </a:p>
           <a:p>
@@ -8920,10 +10081,57 @@
           </a:p>
         </p:txBody>
       </p:sp>
+      <p:pic>
+        <p:nvPicPr>
+          <p:cNvPr id="2050" name="Picture 2" descr="Advancing into Analytics">
+            <a:extLst>
+              <a:ext uri="{FF2B5EF4-FFF2-40B4-BE49-F238E27FC236}">
+                <a16:creationId xmlns:a16="http://schemas.microsoft.com/office/drawing/2014/main" id="{5B2AAF1C-37EA-DD65-2C5E-842E5A429CB7}"/>
+              </a:ext>
+            </a:extLst>
+          </p:cNvPr>
+          <p:cNvPicPr>
+            <a:picLocks noChangeAspect="1" noChangeArrowheads="1"/>
+          </p:cNvPicPr>
+          <p:nvPr/>
+        </p:nvPicPr>
+        <p:blipFill>
+          <a:blip r:embed="rId4">
+            <a:extLst>
+              <a:ext uri="{28A0092B-C50C-407E-A947-70E740481C1C}">
+                <a14:useLocalDpi xmlns:a14="http://schemas.microsoft.com/office/drawing/2010/main" val="0"/>
+              </a:ext>
+            </a:extLst>
+          </a:blip>
+          <a:srcRect/>
+          <a:stretch>
+            <a:fillRect/>
+          </a:stretch>
+        </p:blipFill>
+        <p:spPr bwMode="auto">
+          <a:xfrm>
+            <a:off x="381000" y="5044380"/>
+            <a:ext cx="3810000" cy="5000625"/>
+          </a:xfrm>
+          <a:prstGeom prst="rect">
+            <a:avLst/>
+          </a:prstGeom>
+          <a:noFill/>
+          <a:extLst>
+            <a:ext uri="{909E8E84-426E-40DD-AFC4-6F175D3DCCD1}">
+              <a14:hiddenFill xmlns:a14="http://schemas.microsoft.com/office/drawing/2010/main">
+                <a:solidFill>
+                  <a:srgbClr val="FFFFFF"/>
+                </a:solidFill>
+              </a14:hiddenFill>
+            </a:ext>
+          </a:extLst>
+        </p:spPr>
+      </p:pic>
     </p:spTree>
     <p:extLst>
       <p:ext uri="{BB962C8B-B14F-4D97-AF65-F5344CB8AC3E}">
-        <p14:creationId xmlns:p14="http://schemas.microsoft.com/office/powerpoint/2010/main" val="2938274525"/>
+        <p14:creationId xmlns:p14="http://schemas.microsoft.com/office/powerpoint/2010/main" val="1543383187"/>
       </p:ext>
     </p:extLst>
   </p:cSld>
@@ -8933,12 +10141,18 @@
 </p:sld>
 </file>
 
-<file path=ppt/slides/slide23.xml><?xml version="1.0" encoding="utf-8"?>
+<file path=ppt/slides/slide29.xml><?xml version="1.0" encoding="utf-8"?>
 <p:sld xmlns:a="http://schemas.openxmlformats.org/drawingml/2006/main" xmlns:r="http://schemas.openxmlformats.org/officeDocument/2006/relationships" xmlns:p="http://schemas.openxmlformats.org/presentationml/2006/main">
   <p:cSld>
     <p:spTree>
       <p:nvGrpSpPr>
-        <p:cNvPr id="1" name=""/>
+        <p:cNvPr id="1" name="">
+          <a:extLst>
+            <a:ext uri="{FF2B5EF4-FFF2-40B4-BE49-F238E27FC236}">
+              <a16:creationId xmlns:a16="http://schemas.microsoft.com/office/drawing/2014/main" id="{556CB9BC-ABA6-103A-715B-D3B9A4577CCE}"/>
+            </a:ext>
+          </a:extLst>
+        </p:cNvPr>
         <p:cNvGrpSpPr/>
         <p:nvPr/>
       </p:nvGrpSpPr>
@@ -8952,7 +10166,13 @@
       </p:grpSpPr>
       <p:sp>
         <p:nvSpPr>
-          <p:cNvPr id="4" name="Rectangle 3"/>
+          <p:cNvPr id="4" name="Rectangle 3">
+            <a:extLst>
+              <a:ext uri="{FF2B5EF4-FFF2-40B4-BE49-F238E27FC236}">
+                <a16:creationId xmlns:a16="http://schemas.microsoft.com/office/drawing/2014/main" id="{DADD1AF2-9FDD-94D8-80B6-5B4D41D189A9}"/>
+              </a:ext>
+            </a:extLst>
+          </p:cNvPr>
           <p:cNvSpPr/>
           <p:nvPr/>
         </p:nvSpPr>
@@ -8998,7 +10218,13 @@
       </p:sp>
       <p:pic>
         <p:nvPicPr>
-          <p:cNvPr id="2" name="Picture 1"/>
+          <p:cNvPr id="2" name="Picture 1">
+            <a:extLst>
+              <a:ext uri="{FF2B5EF4-FFF2-40B4-BE49-F238E27FC236}">
+                <a16:creationId xmlns:a16="http://schemas.microsoft.com/office/drawing/2014/main" id="{B995B80C-F573-6FA2-163B-B895205BFF2A}"/>
+              </a:ext>
+            </a:extLst>
+          </p:cNvPr>
           <p:cNvPicPr>
             <a:picLocks noChangeAspect="1"/>
           </p:cNvPicPr>
@@ -9027,14 +10253,20 @@
       </p:pic>
       <p:sp>
         <p:nvSpPr>
-          <p:cNvPr id="3" name="TextBox 2"/>
+          <p:cNvPr id="3" name="TextBox 2">
+            <a:extLst>
+              <a:ext uri="{FF2B5EF4-FFF2-40B4-BE49-F238E27FC236}">
+                <a16:creationId xmlns:a16="http://schemas.microsoft.com/office/drawing/2014/main" id="{1B972C77-007E-B6EB-C801-5C7906650F63}"/>
+              </a:ext>
+            </a:extLst>
+          </p:cNvPr>
           <p:cNvSpPr txBox="1"/>
           <p:nvPr/>
         </p:nvSpPr>
         <p:spPr>
           <a:xfrm>
             <a:off x="260431" y="329879"/>
-            <a:ext cx="8906720" cy="8313558"/>
+            <a:ext cx="8906720" cy="2624821"/>
           </a:xfrm>
           <a:prstGeom prst="rect">
             <a:avLst/>
@@ -9054,7 +10286,7 @@
                 </a:solidFill>
                 <a:latin typeface="Pragmatica" panose="020B0403040502020204" pitchFamily="34" charset="0"/>
               </a:rPr>
-              <a:t>There’s more to Python </a:t>
+              <a:t>Resource: </a:t>
             </a:r>
             <a:r>
               <a:rPr lang="en-US" sz="6000" b="1" i="1" dirty="0">
@@ -9063,35 +10295,14 @@
                 </a:solidFill>
                 <a:latin typeface="Pragmatica" panose="020B0403040502020204" pitchFamily="34" charset="0"/>
               </a:rPr>
-              <a:t>and</a:t>
-            </a:r>
-            <a:r>
-              <a:rPr lang="en-US" sz="6000" b="1" dirty="0">
-                <a:solidFill>
-                  <a:srgbClr val="CF3338"/>
-                </a:solidFill>
-                <a:latin typeface="Pragmatica" panose="020B0403040502020204" pitchFamily="34" charset="0"/>
-              </a:rPr>
-              <a:t> Excel than Python </a:t>
-            </a:r>
-            <a:r>
-              <a:rPr lang="en-US" sz="6000" b="1" i="1" dirty="0">
-                <a:solidFill>
-                  <a:srgbClr val="CF3338"/>
-                </a:solidFill>
-                <a:latin typeface="Pragmatica" panose="020B0403040502020204" pitchFamily="34" charset="0"/>
-              </a:rPr>
-              <a:t>in </a:t>
-            </a:r>
-            <a:r>
-              <a:rPr lang="en-US" sz="6000" b="1" dirty="0">
-                <a:solidFill>
-                  <a:srgbClr val="CF3338"/>
-                </a:solidFill>
-                <a:latin typeface="Pragmatica" panose="020B0403040502020204" pitchFamily="34" charset="0"/>
-              </a:rPr>
-              <a:t>Excel EXERCISE</a:t>
-            </a:r>
+              <a:t>Python for Excel</a:t>
+            </a:r>
+            <a:endParaRPr lang="en-US" sz="6000" b="1" dirty="0">
+              <a:solidFill>
+                <a:srgbClr val="CF3338"/>
+              </a:solidFill>
+              <a:latin typeface="Pragmatica" panose="020B0403040502020204" pitchFamily="34" charset="0"/>
+            </a:endParaRPr>
           </a:p>
           <a:p>
             <a:pPr marL="142875">
@@ -9115,154 +10326,69 @@
             </a:endParaRPr>
           </a:p>
           <a:p>
-            <a:pPr marL="714375" indent="-571500">
-              <a:lnSpc>
-                <a:spcPct val="115000"/>
-              </a:lnSpc>
-              <a:spcBef>
-                <a:spcPts val="1125"/>
-              </a:spcBef>
-              <a:buClr>
-                <a:srgbClr val="C00000"/>
-              </a:buClr>
-              <a:buSzPts val="2100"/>
-              <a:buFont typeface="Arial" panose="020B0604020202020204" pitchFamily="34" charset="0"/>
-              <a:buChar char="•"/>
-            </a:pPr>
-            <a:r>
-              <a:rPr lang="en-US" sz="3600" dirty="0">
-                <a:solidFill>
-                  <a:srgbClr val="C00000"/>
-                </a:solidFill>
-                <a:latin typeface="Pragmatica" panose="020B0403040502020204"/>
-                <a:sym typeface="Consolas"/>
-              </a:rPr>
-              <a:t>Automate production of a workbook comparing website visitors versus rating</a:t>
-            </a:r>
-          </a:p>
-          <a:p>
-            <a:pPr marL="714375" indent="-571500">
-              <a:lnSpc>
-                <a:spcPct val="115000"/>
-              </a:lnSpc>
-              <a:spcBef>
-                <a:spcPts val="1125"/>
-              </a:spcBef>
-              <a:buClr>
-                <a:srgbClr val="C00000"/>
-              </a:buClr>
-              <a:buSzPts val="2100"/>
-              <a:buFont typeface="Arial" panose="020B0604020202020204" pitchFamily="34" charset="0"/>
-              <a:buChar char="•"/>
-            </a:pPr>
-            <a:r>
-              <a:rPr lang="en-US" sz="3600" dirty="0">
-                <a:solidFill>
-                  <a:srgbClr val="C00000"/>
-                </a:solidFill>
-                <a:latin typeface="Pragmatica" panose="020B0403040502020204"/>
-                <a:sym typeface="Consolas"/>
-              </a:rPr>
-              <a:t>Fill in the blanks to create the script</a:t>
-            </a:r>
-          </a:p>
-          <a:p>
-            <a:pPr marL="685800" indent="-542925">
-              <a:lnSpc>
-                <a:spcPct val="115000"/>
-              </a:lnSpc>
-              <a:spcBef>
-                <a:spcPts val="1125"/>
-              </a:spcBef>
-              <a:buClr>
-                <a:srgbClr val="C00000"/>
-              </a:buClr>
-              <a:buSzPts val="2100"/>
-              <a:buFont typeface="Arial"/>
-              <a:buAutoNum type="arabicPeriod"/>
-            </a:pPr>
-            <a:endParaRPr lang="en-US" sz="3600" dirty="0">
-              <a:solidFill>
-                <a:srgbClr val="C00000"/>
-              </a:solidFill>
-              <a:latin typeface="Pragmatica" panose="020B0403040502020204"/>
-              <a:sym typeface="Consolas"/>
-            </a:endParaRPr>
-          </a:p>
-          <a:p>
-            <a:pPr marL="142875">
-              <a:lnSpc>
-                <a:spcPct val="115000"/>
-              </a:lnSpc>
-              <a:spcBef>
-                <a:spcPts val="1125"/>
-              </a:spcBef>
-              <a:buClr>
-                <a:srgbClr val="C00000"/>
-              </a:buClr>
-              <a:buSzPts val="2100"/>
-            </a:pPr>
-            <a:r>
-              <a:rPr lang="en-US" sz="3600" dirty="0">
-                <a:solidFill>
-                  <a:srgbClr val="C00000"/>
-                </a:solidFill>
-                <a:latin typeface="Pragmatica" panose="020B0403040502020204"/>
-                <a:sym typeface="Consolas"/>
-              </a:rPr>
-              <a:t>File: </a:t>
-            </a:r>
-            <a:r>
-              <a:rPr lang="en-US" sz="3600" dirty="0" err="1">
-                <a:solidFill>
-                  <a:srgbClr val="C00000"/>
-                </a:solidFill>
-                <a:latin typeface="Consolas" panose="020B0609020204030204" pitchFamily="49" charset="0"/>
-                <a:sym typeface="Consolas"/>
-              </a:rPr>
-              <a:t>pae</a:t>
-            </a:r>
-            <a:r>
-              <a:rPr lang="en-US" sz="3600" dirty="0">
-                <a:solidFill>
-                  <a:srgbClr val="C00000"/>
-                </a:solidFill>
-                <a:latin typeface="Consolas" panose="020B0609020204030204" pitchFamily="49" charset="0"/>
-                <a:sym typeface="Consolas"/>
-              </a:rPr>
-              <a:t>-pie-</a:t>
-            </a:r>
-            <a:r>
-              <a:rPr lang="en-US" sz="3600" dirty="0" err="1">
-                <a:solidFill>
-                  <a:srgbClr val="C00000"/>
-                </a:solidFill>
-                <a:latin typeface="Consolas" panose="020B0609020204030204" pitchFamily="49" charset="0"/>
-                <a:sym typeface="Consolas"/>
-              </a:rPr>
-              <a:t>exercise.ipynb</a:t>
-            </a:r>
-            <a:endParaRPr lang="en-US" sz="6000" dirty="0">
-              <a:solidFill>
-                <a:srgbClr val="CF3338"/>
-              </a:solidFill>
-              <a:latin typeface="Consolas" panose="020B0609020204030204" pitchFamily="49" charset="0"/>
-            </a:endParaRPr>
-          </a:p>
-          <a:p>
-            <a:endParaRPr lang="en-US" sz="6000" dirty="0">
-              <a:solidFill>
-                <a:srgbClr val="CF3338"/>
-              </a:solidFill>
-              <a:latin typeface="Pragmatica" panose="020B0403040502020204" pitchFamily="34" charset="0"/>
-            </a:endParaRPr>
-          </a:p>
-        </p:txBody>
-      </p:sp>
+            <a:r>
+              <a:rPr lang="en-US" sz="5400" dirty="0">
+                <a:solidFill>
+                  <a:srgbClr val="CF3338"/>
+                </a:solidFill>
+                <a:latin typeface="Pragmatica" panose="020B0403040502020204" pitchFamily="34" charset="0"/>
+              </a:rPr>
+              <a:t>xlwings.org/book </a:t>
+            </a:r>
+          </a:p>
+        </p:txBody>
+      </p:sp>
+      <p:pic>
+        <p:nvPicPr>
+          <p:cNvPr id="1026" name="Picture 2" descr="Python for Excel">
+            <a:extLst>
+              <a:ext uri="{FF2B5EF4-FFF2-40B4-BE49-F238E27FC236}">
+                <a16:creationId xmlns:a16="http://schemas.microsoft.com/office/drawing/2014/main" id="{80644A9C-C912-1443-B13D-FF6D068A9C43}"/>
+              </a:ext>
+            </a:extLst>
+          </p:cNvPr>
+          <p:cNvPicPr>
+            <a:picLocks noChangeAspect="1" noChangeArrowheads="1"/>
+          </p:cNvPicPr>
+          <p:nvPr/>
+        </p:nvPicPr>
+        <p:blipFill>
+          <a:blip r:embed="rId4">
+            <a:extLst>
+              <a:ext uri="{28A0092B-C50C-407E-A947-70E740481C1C}">
+                <a14:useLocalDpi xmlns:a14="http://schemas.microsoft.com/office/drawing/2010/main" val="0"/>
+              </a:ext>
+            </a:extLst>
+          </a:blip>
+          <a:srcRect/>
+          <a:stretch>
+            <a:fillRect/>
+          </a:stretch>
+        </p:blipFill>
+        <p:spPr bwMode="auto">
+          <a:xfrm>
+            <a:off x="762000" y="4686300"/>
+            <a:ext cx="3810000" cy="5000625"/>
+          </a:xfrm>
+          <a:prstGeom prst="rect">
+            <a:avLst/>
+          </a:prstGeom>
+          <a:noFill/>
+          <a:extLst>
+            <a:ext uri="{909E8E84-426E-40DD-AFC4-6F175D3DCCD1}">
+              <a14:hiddenFill xmlns:a14="http://schemas.microsoft.com/office/drawing/2010/main">
+                <a:solidFill>
+                  <a:srgbClr val="FFFFFF"/>
+                </a:solidFill>
+              </a14:hiddenFill>
+            </a:ext>
+          </a:extLst>
+        </p:spPr>
+      </p:pic>
     </p:spTree>
     <p:extLst>
       <p:ext uri="{BB962C8B-B14F-4D97-AF65-F5344CB8AC3E}">
-        <p14:creationId xmlns:p14="http://schemas.microsoft.com/office/powerpoint/2010/main" val="2531284725"/>
+        <p14:creationId xmlns:p14="http://schemas.microsoft.com/office/powerpoint/2010/main" val="837451578"/>
       </p:ext>
     </p:extLst>
   </p:cSld>
@@ -9272,7 +10398,7 @@
 </p:sld>
 </file>
 
-<file path=ppt/slides/slide24.xml><?xml version="1.0" encoding="utf-8"?>
+<file path=ppt/slides/slide3.xml><?xml version="1.0" encoding="utf-8"?>
 <p:sld xmlns:a="http://schemas.openxmlformats.org/drawingml/2006/main" xmlns:r="http://schemas.openxmlformats.org/officeDocument/2006/relationships" xmlns:p="http://schemas.openxmlformats.org/presentationml/2006/main">
   <p:cSld>
     <p:spTree>
@@ -9289,45 +10415,148 @@
           <a:chExt cx="0" cy="0"/>
         </a:xfrm>
       </p:grpSpPr>
-      <p:pic>
-        <p:nvPicPr>
-          <p:cNvPr id="10" name="Picture 9"/>
-          <p:cNvPicPr>
-            <a:picLocks noChangeAspect="1"/>
-          </p:cNvPicPr>
+      <p:sp>
+        <p:nvSpPr>
+          <p:cNvPr id="11" name="TextBox 10"/>
+          <p:cNvSpPr txBox="1"/>
           <p:nvPr/>
-        </p:nvPicPr>
-        <p:blipFill rotWithShape="1">
-          <a:blip r:embed="rId2">
-            <a:extLst>
-              <a:ext uri="{28A0092B-C50C-407E-A947-70E740481C1C}">
-                <a14:useLocalDpi xmlns:a14="http://schemas.microsoft.com/office/drawing/2010/main" val="0"/>
-              </a:ext>
-            </a:extLst>
-          </a:blip>
-          <a:srcRect l="50728" t="56371"/>
-          <a:stretch/>
-        </p:blipFill>
+        </p:nvSpPr>
         <p:spPr>
           <a:xfrm>
-            <a:off x="12204691" y="3316148"/>
-            <a:ext cx="6083309" cy="6970854"/>
+            <a:off x="520861" y="170082"/>
+            <a:ext cx="11979797" cy="2862322"/>
           </a:xfrm>
           <a:prstGeom prst="rect">
             <a:avLst/>
           </a:prstGeom>
+          <a:noFill/>
         </p:spPr>
-      </p:pic>
+        <p:txBody>
+          <a:bodyPr wrap="square" rtlCol="0">
+            <a:spAutoFit/>
+          </a:bodyPr>
+          <a:lstStyle/>
+          <a:p>
+            <a:r>
+              <a:rPr lang="en-US" sz="9000" dirty="0">
+                <a:latin typeface="Aliens &amp; cows" panose="00000500000000000000" pitchFamily="2" charset="0"/>
+              </a:rPr>
+              <a:t>Objectives for this session</a:t>
+            </a:r>
+          </a:p>
+        </p:txBody>
+      </p:sp>
+      <p:sp>
+        <p:nvSpPr>
+          <p:cNvPr id="3" name="TextBox 2"/>
+          <p:cNvSpPr txBox="1"/>
+          <p:nvPr/>
+        </p:nvSpPr>
+        <p:spPr>
+          <a:xfrm>
+            <a:off x="520861" y="3191948"/>
+            <a:ext cx="14393120" cy="3970318"/>
+          </a:xfrm>
+          <a:prstGeom prst="rect">
+            <a:avLst/>
+          </a:prstGeom>
+          <a:noFill/>
+        </p:spPr>
+        <p:txBody>
+          <a:bodyPr wrap="square" rtlCol="0">
+            <a:spAutoFit/>
+          </a:bodyPr>
+          <a:lstStyle/>
+          <a:p>
+            <a:pPr marL="685800" indent="-685800">
+              <a:buClr>
+                <a:srgbClr val="CF3338"/>
+              </a:buClr>
+              <a:buFont typeface="Arial" panose="020B0604020202020204" pitchFamily="34" charset="0"/>
+              <a:buChar char="•"/>
+            </a:pPr>
+            <a:r>
+              <a:rPr lang="en-US" sz="4200" dirty="0">
+                <a:solidFill>
+                  <a:srgbClr val="707070"/>
+                </a:solidFill>
+                <a:latin typeface="Pragmatica" panose="020B0403040502020204" pitchFamily="34" charset="0"/>
+              </a:rPr>
+              <a:t>Learn core Python integration techniques in Excel.</a:t>
+            </a:r>
+          </a:p>
+          <a:p>
+            <a:pPr marL="685800" indent="-685800">
+              <a:buClr>
+                <a:srgbClr val="CF3338"/>
+              </a:buClr>
+              <a:buFont typeface="Arial" panose="020B0604020202020204" pitchFamily="34" charset="0"/>
+              <a:buChar char="•"/>
+            </a:pPr>
+            <a:r>
+              <a:rPr lang="en-US" sz="4200" dirty="0">
+                <a:solidFill>
+                  <a:srgbClr val="707070"/>
+                </a:solidFill>
+                <a:latin typeface="Pragmatica" panose="020B0403040502020204" pitchFamily="34" charset="0"/>
+              </a:rPr>
+              <a:t>Apply Python for complex data analysis and visualization techniques. </a:t>
+            </a:r>
+          </a:p>
+          <a:p>
+            <a:pPr marL="685800" indent="-685800">
+              <a:buClr>
+                <a:srgbClr val="CF3338"/>
+              </a:buClr>
+              <a:buFont typeface="Arial" panose="020B0604020202020204" pitchFamily="34" charset="0"/>
+              <a:buChar char="•"/>
+            </a:pPr>
+            <a:r>
+              <a:rPr lang="en-US" sz="4200" dirty="0">
+                <a:solidFill>
+                  <a:srgbClr val="707070"/>
+                </a:solidFill>
+                <a:latin typeface="Pragmatica" panose="020B0403040502020204" pitchFamily="34" charset="0"/>
+              </a:rPr>
+              <a:t>Harness generative AI and Copilot for assistance with Python tasks. </a:t>
+            </a:r>
+          </a:p>
+          <a:p>
+            <a:pPr marL="685800" indent="-685800">
+              <a:buClr>
+                <a:srgbClr val="CF3338"/>
+              </a:buClr>
+              <a:buFont typeface="Arial" panose="020B0604020202020204" pitchFamily="34" charset="0"/>
+              <a:buChar char="•"/>
+            </a:pPr>
+            <a:r>
+              <a:rPr lang="en-US" sz="4200" dirty="0">
+                <a:solidFill>
+                  <a:srgbClr val="707070"/>
+                </a:solidFill>
+                <a:latin typeface="Pragmatica" panose="020B0403040502020204" pitchFamily="34" charset="0"/>
+              </a:rPr>
+              <a:t>Master Python-driven Excel report automation. </a:t>
+            </a:r>
+          </a:p>
+        </p:txBody>
+      </p:sp>
       <p:pic>
         <p:nvPicPr>
-          <p:cNvPr id="4" name="Picture 3"/>
+          <p:cNvPr id="15" name="Picture 14" descr="A close up of a sign&#10;&#10;Description automatically generated">
+            <a:extLst>
+              <a:ext uri="{FF2B5EF4-FFF2-40B4-BE49-F238E27FC236}">
+                <a16:creationId xmlns:a16="http://schemas.microsoft.com/office/drawing/2014/main" id="{29761B90-A7DE-4A60-A915-F085BD87CAB4}"/>
+              </a:ext>
+            </a:extLst>
+          </p:cNvPr>
           <p:cNvPicPr>
             <a:picLocks noChangeAspect="1"/>
           </p:cNvPicPr>
           <p:nvPr/>
         </p:nvPicPr>
         <p:blipFill>
-          <a:blip r:embed="rId3">
+          <a:blip r:embed="rId2">
             <a:extLst>
               <a:ext uri="{28A0092B-C50C-407E-A947-70E740481C1C}">
                 <a14:useLocalDpi xmlns:a14="http://schemas.microsoft.com/office/drawing/2010/main" val="0"/>
@@ -9340,77 +10569,8 @@
         </p:blipFill>
         <p:spPr>
           <a:xfrm>
-            <a:off x="-807744" y="-3724155"/>
-            <a:ext cx="15257208" cy="11189825"/>
-          </a:xfrm>
-          <a:prstGeom prst="rect">
-            <a:avLst/>
-          </a:prstGeom>
-        </p:spPr>
-      </p:pic>
-      <p:sp>
-        <p:nvSpPr>
-          <p:cNvPr id="11" name="TextBox 10"/>
-          <p:cNvSpPr txBox="1"/>
-          <p:nvPr/>
-        </p:nvSpPr>
-        <p:spPr>
-          <a:xfrm>
-            <a:off x="486137" y="2531318"/>
-            <a:ext cx="11979797" cy="923330"/>
-          </a:xfrm>
-          <a:prstGeom prst="rect">
-            <a:avLst/>
-          </a:prstGeom>
-          <a:noFill/>
-        </p:spPr>
-        <p:txBody>
-          <a:bodyPr wrap="square" rtlCol="0">
-            <a:spAutoFit/>
-          </a:bodyPr>
-          <a:lstStyle/>
-          <a:p>
-            <a:r>
-              <a:rPr lang="en-US" sz="5400" b="1" dirty="0">
-                <a:solidFill>
-                  <a:srgbClr val="CF3338"/>
-                </a:solidFill>
-                <a:latin typeface="Pragmatica" panose="020B0403040502020204" pitchFamily="34" charset="0"/>
-              </a:rPr>
-              <a:t>Questions?</a:t>
-            </a:r>
-          </a:p>
-        </p:txBody>
-      </p:sp>
-      <p:pic>
-        <p:nvPicPr>
-          <p:cNvPr id="5" name="Picture 4">
-            <a:extLst>
-              <a:ext uri="{FF2B5EF4-FFF2-40B4-BE49-F238E27FC236}">
-                <a16:creationId xmlns:a16="http://schemas.microsoft.com/office/drawing/2014/main" id="{54A06221-5316-4BCF-9FDA-BDB95FF4A778}"/>
-              </a:ext>
-            </a:extLst>
-          </p:cNvPr>
-          <p:cNvPicPr>
-            <a:picLocks noChangeAspect="1"/>
-          </p:cNvPicPr>
-          <p:nvPr/>
-        </p:nvPicPr>
-        <p:blipFill>
-          <a:blip r:embed="rId4">
-            <a:extLst>
-              <a:ext uri="{28A0092B-C50C-407E-A947-70E740481C1C}">
-                <a14:useLocalDpi xmlns:a14="http://schemas.microsoft.com/office/drawing/2010/main" val="0"/>
-              </a:ext>
-            </a:extLst>
-          </a:blip>
-          <a:srcRect/>
-          <a:stretch/>
-        </p:blipFill>
-        <p:spPr>
-          <a:xfrm>
-            <a:off x="12204691" y="3317239"/>
-            <a:ext cx="6083309" cy="6968672"/>
+            <a:off x="16341036" y="8058429"/>
+            <a:ext cx="1942857" cy="2228571"/>
           </a:xfrm>
           <a:prstGeom prst="rect">
             <a:avLst/>
@@ -9420,7 +10580,7 @@
     </p:spTree>
     <p:extLst>
       <p:ext uri="{BB962C8B-B14F-4D97-AF65-F5344CB8AC3E}">
-        <p14:creationId xmlns:p14="http://schemas.microsoft.com/office/powerpoint/2010/main" val="59831101"/>
+        <p14:creationId xmlns:p14="http://schemas.microsoft.com/office/powerpoint/2010/main" val="3830029867"/>
       </p:ext>
     </p:extLst>
   </p:cSld>
@@ -9430,7 +10590,7 @@
 </p:sld>
 </file>
 
-<file path=ppt/slides/slide25.xml><?xml version="1.0" encoding="utf-8"?>
+<file path=ppt/slides/slide30.xml><?xml version="1.0" encoding="utf-8"?>
 <p:sld xmlns:a="http://schemas.openxmlformats.org/drawingml/2006/main" xmlns:r="http://schemas.openxmlformats.org/officeDocument/2006/relationships" xmlns:p="http://schemas.openxmlformats.org/presentationml/2006/main">
   <p:cSld>
     <p:spTree>
@@ -9438,7 +10598,7 @@
         <p:cNvPr id="1" name="">
           <a:extLst>
             <a:ext uri="{FF2B5EF4-FFF2-40B4-BE49-F238E27FC236}">
-              <a16:creationId xmlns:a16="http://schemas.microsoft.com/office/drawing/2014/main" id="{E85323C9-D5F7-C820-78B9-E169BDF2311C}"/>
+              <a16:creationId xmlns:a16="http://schemas.microsoft.com/office/drawing/2014/main" id="{1DCEF581-6BA9-4461-08BA-6D16F65F3328}"/>
             </a:ext>
           </a:extLst>
         </p:cNvPr>
@@ -9458,135 +10618,7 @@
           <p:cNvPr id="4" name="Rectangle 3">
             <a:extLst>
               <a:ext uri="{FF2B5EF4-FFF2-40B4-BE49-F238E27FC236}">
-                <a16:creationId xmlns:a16="http://schemas.microsoft.com/office/drawing/2014/main" id="{28971779-1F50-1702-DEC1-87CD482189F0}"/>
-              </a:ext>
-            </a:extLst>
-          </p:cNvPr>
-          <p:cNvSpPr/>
-          <p:nvPr/>
-        </p:nvSpPr>
-        <p:spPr>
-          <a:xfrm>
-            <a:off x="0" y="0"/>
-            <a:ext cx="18288000" cy="10287000"/>
-          </a:xfrm>
-          <a:prstGeom prst="rect">
-            <a:avLst/>
-          </a:prstGeom>
-          <a:solidFill>
-            <a:srgbClr val="CF3338"/>
-          </a:solidFill>
-          <a:ln>
-            <a:noFill/>
-          </a:ln>
-        </p:spPr>
-        <p:style>
-          <a:lnRef idx="2">
-            <a:schemeClr val="accent1">
-              <a:shade val="50000"/>
-            </a:schemeClr>
-          </a:lnRef>
-          <a:fillRef idx="1">
-            <a:schemeClr val="accent1"/>
-          </a:fillRef>
-          <a:effectRef idx="0">
-            <a:schemeClr val="accent1"/>
-          </a:effectRef>
-          <a:fontRef idx="minor">
-            <a:schemeClr val="lt1"/>
-          </a:fontRef>
-        </p:style>
-        <p:txBody>
-          <a:bodyPr rtlCol="0" anchor="ctr"/>
-          <a:lstStyle/>
-          <a:p>
-            <a:pPr algn="ctr"/>
-            <a:endParaRPr lang="en-US" sz="2700"/>
-          </a:p>
-        </p:txBody>
-      </p:sp>
-      <p:sp>
-        <p:nvSpPr>
-          <p:cNvPr id="5" name="TextBox 4">
-            <a:extLst>
-              <a:ext uri="{FF2B5EF4-FFF2-40B4-BE49-F238E27FC236}">
-                <a16:creationId xmlns:a16="http://schemas.microsoft.com/office/drawing/2014/main" id="{5ECC4C7B-C529-5329-03AC-796804551DC1}"/>
-              </a:ext>
-            </a:extLst>
-          </p:cNvPr>
-          <p:cNvSpPr txBox="1"/>
-          <p:nvPr/>
-        </p:nvSpPr>
-        <p:spPr>
-          <a:xfrm>
-            <a:off x="781292" y="590309"/>
-            <a:ext cx="15486926" cy="1615827"/>
-          </a:xfrm>
-          <a:prstGeom prst="rect">
-            <a:avLst/>
-          </a:prstGeom>
-          <a:noFill/>
-        </p:spPr>
-        <p:txBody>
-          <a:bodyPr wrap="square" rtlCol="0">
-            <a:spAutoFit/>
-          </a:bodyPr>
-          <a:lstStyle/>
-          <a:p>
-            <a:r>
-              <a:rPr lang="en-US" sz="9900" b="1" dirty="0">
-                <a:solidFill>
-                  <a:schemeClr val="bg1"/>
-                </a:solidFill>
-                <a:latin typeface="Normafixed Tryout" panose="00000409000000000000" pitchFamily="49" charset="0"/>
-              </a:rPr>
-              <a:t>Conclusion</a:t>
-            </a:r>
-          </a:p>
-        </p:txBody>
-      </p:sp>
-    </p:spTree>
-    <p:extLst>
-      <p:ext uri="{BB962C8B-B14F-4D97-AF65-F5344CB8AC3E}">
-        <p14:creationId xmlns:p14="http://schemas.microsoft.com/office/powerpoint/2010/main" val="358064314"/>
-      </p:ext>
-    </p:extLst>
-  </p:cSld>
-  <p:clrMapOvr>
-    <a:masterClrMapping/>
-  </p:clrMapOvr>
-</p:sld>
-</file>
-
-<file path=ppt/slides/slide26.xml><?xml version="1.0" encoding="utf-8"?>
-<p:sld xmlns:a="http://schemas.openxmlformats.org/drawingml/2006/main" xmlns:r="http://schemas.openxmlformats.org/officeDocument/2006/relationships" xmlns:p="http://schemas.openxmlformats.org/presentationml/2006/main">
-  <p:cSld>
-    <p:spTree>
-      <p:nvGrpSpPr>
-        <p:cNvPr id="1" name="">
-          <a:extLst>
-            <a:ext uri="{FF2B5EF4-FFF2-40B4-BE49-F238E27FC236}">
-              <a16:creationId xmlns:a16="http://schemas.microsoft.com/office/drawing/2014/main" id="{EDD10D06-D0B5-9212-A34F-8F08B4D2DF86}"/>
-            </a:ext>
-          </a:extLst>
-        </p:cNvPr>
-        <p:cNvGrpSpPr/>
-        <p:nvPr/>
-      </p:nvGrpSpPr>
-      <p:grpSpPr>
-        <a:xfrm>
-          <a:off x="0" y="0"/>
-          <a:ext cx="0" cy="0"/>
-          <a:chOff x="0" y="0"/>
-          <a:chExt cx="0" cy="0"/>
-        </a:xfrm>
-      </p:grpSpPr>
-      <p:sp>
-        <p:nvSpPr>
-          <p:cNvPr id="4" name="Rectangle 3">
-            <a:extLst>
-              <a:ext uri="{FF2B5EF4-FFF2-40B4-BE49-F238E27FC236}">
-                <a16:creationId xmlns:a16="http://schemas.microsoft.com/office/drawing/2014/main" id="{6764A5DC-38D4-7F12-151E-016E4E827436}"/>
+                <a16:creationId xmlns:a16="http://schemas.microsoft.com/office/drawing/2014/main" id="{086DF1D7-4393-B6A7-D04C-55B1E5B8B731}"/>
               </a:ext>
             </a:extLst>
           </p:cNvPr>
@@ -9638,7 +10670,7 @@
           <p:cNvPr id="2" name="Picture 1">
             <a:extLst>
               <a:ext uri="{FF2B5EF4-FFF2-40B4-BE49-F238E27FC236}">
-                <a16:creationId xmlns:a16="http://schemas.microsoft.com/office/drawing/2014/main" id="{F59C7250-A4DB-0BEE-0BC0-39A290D09B14}"/>
+                <a16:creationId xmlns:a16="http://schemas.microsoft.com/office/drawing/2014/main" id="{310EF924-3C1C-4586-5E9A-2810C5DAD7C2}"/>
               </a:ext>
             </a:extLst>
           </p:cNvPr>
@@ -9673,7 +10705,7 @@
           <p:cNvPr id="3" name="TextBox 2">
             <a:extLst>
               <a:ext uri="{FF2B5EF4-FFF2-40B4-BE49-F238E27FC236}">
-                <a16:creationId xmlns:a16="http://schemas.microsoft.com/office/drawing/2014/main" id="{7477DFE9-D506-DBB3-AF0C-C6AE174A701B}"/>
+                <a16:creationId xmlns:a16="http://schemas.microsoft.com/office/drawing/2014/main" id="{9C1992D3-0543-2919-A641-F8327941676A}"/>
               </a:ext>
             </a:extLst>
           </p:cNvPr>
@@ -9683,7 +10715,7 @@
         <p:spPr>
           <a:xfrm>
             <a:off x="260431" y="329879"/>
-            <a:ext cx="8906720" cy="4256037"/>
+            <a:ext cx="8906720" cy="3332707"/>
           </a:xfrm>
           <a:prstGeom prst="rect">
             <a:avLst/>
@@ -9712,7 +10744,7 @@
                 </a:solidFill>
                 <a:latin typeface="Pragmatica" panose="020B0403040502020204" pitchFamily="34" charset="0"/>
               </a:rPr>
-              <a:t>Advancing into Analytics</a:t>
+              <a:t>Modern Data Analytics in Excel</a:t>
             </a:r>
             <a:endParaRPr lang="en-US" sz="6000" b="1" dirty="0">
               <a:solidFill>
@@ -9750,534 +10782,6 @@
                 </a:solidFill>
                 <a:latin typeface="Pragmatica" panose="020B0403040502020204" pitchFamily="34" charset="0"/>
               </a:rPr>
-              <a:t>stringfestanalytics.com/book</a:t>
-            </a:r>
-            <a:endParaRPr lang="en-US" sz="3600" dirty="0">
-              <a:solidFill>
-                <a:srgbClr val="CF3338"/>
-              </a:solidFill>
-              <a:latin typeface="Pragmatica" panose="020B0403040502020204" pitchFamily="34" charset="0"/>
-            </a:endParaRPr>
-          </a:p>
-          <a:p>
-            <a:endParaRPr lang="en-US" sz="6000" dirty="0">
-              <a:solidFill>
-                <a:srgbClr val="CF3338"/>
-              </a:solidFill>
-              <a:latin typeface="Pragmatica" panose="020B0403040502020204" pitchFamily="34" charset="0"/>
-            </a:endParaRPr>
-          </a:p>
-        </p:txBody>
-      </p:sp>
-      <p:pic>
-        <p:nvPicPr>
-          <p:cNvPr id="2050" name="Picture 2" descr="Advancing into Analytics">
-            <a:extLst>
-              <a:ext uri="{FF2B5EF4-FFF2-40B4-BE49-F238E27FC236}">
-                <a16:creationId xmlns:a16="http://schemas.microsoft.com/office/drawing/2014/main" id="{5B2AAF1C-37EA-DD65-2C5E-842E5A429CB7}"/>
-              </a:ext>
-            </a:extLst>
-          </p:cNvPr>
-          <p:cNvPicPr>
-            <a:picLocks noChangeAspect="1" noChangeArrowheads="1"/>
-          </p:cNvPicPr>
-          <p:nvPr/>
-        </p:nvPicPr>
-        <p:blipFill>
-          <a:blip r:embed="rId4">
-            <a:extLst>
-              <a:ext uri="{28A0092B-C50C-407E-A947-70E740481C1C}">
-                <a14:useLocalDpi xmlns:a14="http://schemas.microsoft.com/office/drawing/2010/main" val="0"/>
-              </a:ext>
-            </a:extLst>
-          </a:blip>
-          <a:srcRect/>
-          <a:stretch>
-            <a:fillRect/>
-          </a:stretch>
-        </p:blipFill>
-        <p:spPr bwMode="auto">
-          <a:xfrm>
-            <a:off x="381000" y="5044380"/>
-            <a:ext cx="3810000" cy="5000625"/>
-          </a:xfrm>
-          <a:prstGeom prst="rect">
-            <a:avLst/>
-          </a:prstGeom>
-          <a:noFill/>
-          <a:extLst>
-            <a:ext uri="{909E8E84-426E-40DD-AFC4-6F175D3DCCD1}">
-              <a14:hiddenFill xmlns:a14="http://schemas.microsoft.com/office/drawing/2010/main">
-                <a:solidFill>
-                  <a:srgbClr val="FFFFFF"/>
-                </a:solidFill>
-              </a14:hiddenFill>
-            </a:ext>
-          </a:extLst>
-        </p:spPr>
-      </p:pic>
-    </p:spTree>
-    <p:extLst>
-      <p:ext uri="{BB962C8B-B14F-4D97-AF65-F5344CB8AC3E}">
-        <p14:creationId xmlns:p14="http://schemas.microsoft.com/office/powerpoint/2010/main" val="1543383187"/>
-      </p:ext>
-    </p:extLst>
-  </p:cSld>
-  <p:clrMapOvr>
-    <a:masterClrMapping/>
-  </p:clrMapOvr>
-</p:sld>
-</file>
-
-<file path=ppt/slides/slide27.xml><?xml version="1.0" encoding="utf-8"?>
-<p:sld xmlns:a="http://schemas.openxmlformats.org/drawingml/2006/main" xmlns:r="http://schemas.openxmlformats.org/officeDocument/2006/relationships" xmlns:p="http://schemas.openxmlformats.org/presentationml/2006/main">
-  <p:cSld>
-    <p:spTree>
-      <p:nvGrpSpPr>
-        <p:cNvPr id="1" name="">
-          <a:extLst>
-            <a:ext uri="{FF2B5EF4-FFF2-40B4-BE49-F238E27FC236}">
-              <a16:creationId xmlns:a16="http://schemas.microsoft.com/office/drawing/2014/main" id="{556CB9BC-ABA6-103A-715B-D3B9A4577CCE}"/>
-            </a:ext>
-          </a:extLst>
-        </p:cNvPr>
-        <p:cNvGrpSpPr/>
-        <p:nvPr/>
-      </p:nvGrpSpPr>
-      <p:grpSpPr>
-        <a:xfrm>
-          <a:off x="0" y="0"/>
-          <a:ext cx="0" cy="0"/>
-          <a:chOff x="0" y="0"/>
-          <a:chExt cx="0" cy="0"/>
-        </a:xfrm>
-      </p:grpSpPr>
-      <p:sp>
-        <p:nvSpPr>
-          <p:cNvPr id="4" name="Rectangle 3">
-            <a:extLst>
-              <a:ext uri="{FF2B5EF4-FFF2-40B4-BE49-F238E27FC236}">
-                <a16:creationId xmlns:a16="http://schemas.microsoft.com/office/drawing/2014/main" id="{DADD1AF2-9FDD-94D8-80B6-5B4D41D189A9}"/>
-              </a:ext>
-            </a:extLst>
-          </p:cNvPr>
-          <p:cNvSpPr/>
-          <p:nvPr/>
-        </p:nvSpPr>
-        <p:spPr>
-          <a:xfrm>
-            <a:off x="9861630" y="0"/>
-            <a:ext cx="8426370" cy="10287000"/>
-          </a:xfrm>
-          <a:prstGeom prst="rect">
-            <a:avLst/>
-          </a:prstGeom>
-          <a:solidFill>
-            <a:srgbClr val="CF3338"/>
-          </a:solidFill>
-          <a:ln>
-            <a:noFill/>
-          </a:ln>
-        </p:spPr>
-        <p:style>
-          <a:lnRef idx="2">
-            <a:schemeClr val="accent1">
-              <a:shade val="50000"/>
-            </a:schemeClr>
-          </a:lnRef>
-          <a:fillRef idx="1">
-            <a:schemeClr val="accent1"/>
-          </a:fillRef>
-          <a:effectRef idx="0">
-            <a:schemeClr val="accent1"/>
-          </a:effectRef>
-          <a:fontRef idx="minor">
-            <a:schemeClr val="lt1"/>
-          </a:fontRef>
-        </p:style>
-        <p:txBody>
-          <a:bodyPr rtlCol="0" anchor="ctr"/>
-          <a:lstStyle/>
-          <a:p>
-            <a:pPr algn="ctr"/>
-            <a:endParaRPr lang="en-US" sz="2700"/>
-          </a:p>
-        </p:txBody>
-      </p:sp>
-      <p:pic>
-        <p:nvPicPr>
-          <p:cNvPr id="2" name="Picture 1">
-            <a:extLst>
-              <a:ext uri="{FF2B5EF4-FFF2-40B4-BE49-F238E27FC236}">
-                <a16:creationId xmlns:a16="http://schemas.microsoft.com/office/drawing/2014/main" id="{B995B80C-F573-6FA2-163B-B895205BFF2A}"/>
-              </a:ext>
-            </a:extLst>
-          </p:cNvPr>
-          <p:cNvPicPr>
-            <a:picLocks noChangeAspect="1"/>
-          </p:cNvPicPr>
-          <p:nvPr/>
-        </p:nvPicPr>
-        <p:blipFill rotWithShape="1">
-          <a:blip r:embed="rId3">
-            <a:extLst>
-              <a:ext uri="{28A0092B-C50C-407E-A947-70E740481C1C}">
-                <a14:useLocalDpi xmlns:a14="http://schemas.microsoft.com/office/drawing/2010/main" val="0"/>
-              </a:ext>
-            </a:extLst>
-          </a:blip>
-          <a:srcRect l="69227" t="33418" r="20112" b="50548"/>
-          <a:stretch/>
-        </p:blipFill>
-        <p:spPr>
-          <a:xfrm>
-            <a:off x="15579524" y="7544693"/>
-            <a:ext cx="2708477" cy="2987579"/>
-          </a:xfrm>
-          <a:prstGeom prst="rect">
-            <a:avLst/>
-          </a:prstGeom>
-        </p:spPr>
-      </p:pic>
-      <p:sp>
-        <p:nvSpPr>
-          <p:cNvPr id="3" name="TextBox 2">
-            <a:extLst>
-              <a:ext uri="{FF2B5EF4-FFF2-40B4-BE49-F238E27FC236}">
-                <a16:creationId xmlns:a16="http://schemas.microsoft.com/office/drawing/2014/main" id="{1B972C77-007E-B6EB-C801-5C7906650F63}"/>
-              </a:ext>
-            </a:extLst>
-          </p:cNvPr>
-          <p:cNvSpPr txBox="1"/>
-          <p:nvPr/>
-        </p:nvSpPr>
-        <p:spPr>
-          <a:xfrm>
-            <a:off x="260431" y="329879"/>
-            <a:ext cx="8906720" cy="2624821"/>
-          </a:xfrm>
-          <a:prstGeom prst="rect">
-            <a:avLst/>
-          </a:prstGeom>
-          <a:noFill/>
-        </p:spPr>
-        <p:txBody>
-          <a:bodyPr wrap="square" rtlCol="0">
-            <a:spAutoFit/>
-          </a:bodyPr>
-          <a:lstStyle/>
-          <a:p>
-            <a:r>
-              <a:rPr lang="en-US" sz="6000" b="1" dirty="0">
-                <a:solidFill>
-                  <a:srgbClr val="CF3338"/>
-                </a:solidFill>
-                <a:latin typeface="Pragmatica" panose="020B0403040502020204" pitchFamily="34" charset="0"/>
-              </a:rPr>
-              <a:t>Resource: </a:t>
-            </a:r>
-            <a:r>
-              <a:rPr lang="en-US" sz="6000" b="1" i="1" dirty="0">
-                <a:solidFill>
-                  <a:srgbClr val="CF3338"/>
-                </a:solidFill>
-                <a:latin typeface="Pragmatica" panose="020B0403040502020204" pitchFamily="34" charset="0"/>
-              </a:rPr>
-              <a:t>Python for Excel</a:t>
-            </a:r>
-            <a:endParaRPr lang="en-US" sz="6000" b="1" dirty="0">
-              <a:solidFill>
-                <a:srgbClr val="CF3338"/>
-              </a:solidFill>
-              <a:latin typeface="Pragmatica" panose="020B0403040502020204" pitchFamily="34" charset="0"/>
-            </a:endParaRPr>
-          </a:p>
-          <a:p>
-            <a:pPr marL="142875">
-              <a:lnSpc>
-                <a:spcPct val="115000"/>
-              </a:lnSpc>
-              <a:spcBef>
-                <a:spcPts val="1125"/>
-              </a:spcBef>
-              <a:buClr>
-                <a:srgbClr val="C00000"/>
-              </a:buClr>
-              <a:buSzPts val="2100"/>
-            </a:pPr>
-            <a:endParaRPr lang="en-US" sz="3600" dirty="0">
-              <a:solidFill>
-                <a:srgbClr val="C00000"/>
-              </a:solidFill>
-              <a:latin typeface="Pragmatica" panose="020B0403040502020204"/>
-              <a:sym typeface="Consolas"/>
-            </a:endParaRPr>
-          </a:p>
-          <a:p>
-            <a:r>
-              <a:rPr lang="en-US" sz="5400" dirty="0">
-                <a:solidFill>
-                  <a:srgbClr val="CF3338"/>
-                </a:solidFill>
-                <a:latin typeface="Pragmatica" panose="020B0403040502020204" pitchFamily="34" charset="0"/>
-              </a:rPr>
-              <a:t>xlwings.org/book </a:t>
-            </a:r>
-          </a:p>
-        </p:txBody>
-      </p:sp>
-      <p:pic>
-        <p:nvPicPr>
-          <p:cNvPr id="1026" name="Picture 2" descr="Python for Excel">
-            <a:extLst>
-              <a:ext uri="{FF2B5EF4-FFF2-40B4-BE49-F238E27FC236}">
-                <a16:creationId xmlns:a16="http://schemas.microsoft.com/office/drawing/2014/main" id="{80644A9C-C912-1443-B13D-FF6D068A9C43}"/>
-              </a:ext>
-            </a:extLst>
-          </p:cNvPr>
-          <p:cNvPicPr>
-            <a:picLocks noChangeAspect="1" noChangeArrowheads="1"/>
-          </p:cNvPicPr>
-          <p:nvPr/>
-        </p:nvPicPr>
-        <p:blipFill>
-          <a:blip r:embed="rId4">
-            <a:extLst>
-              <a:ext uri="{28A0092B-C50C-407E-A947-70E740481C1C}">
-                <a14:useLocalDpi xmlns:a14="http://schemas.microsoft.com/office/drawing/2010/main" val="0"/>
-              </a:ext>
-            </a:extLst>
-          </a:blip>
-          <a:srcRect/>
-          <a:stretch>
-            <a:fillRect/>
-          </a:stretch>
-        </p:blipFill>
-        <p:spPr bwMode="auto">
-          <a:xfrm>
-            <a:off x="762000" y="4686300"/>
-            <a:ext cx="3810000" cy="5000625"/>
-          </a:xfrm>
-          <a:prstGeom prst="rect">
-            <a:avLst/>
-          </a:prstGeom>
-          <a:noFill/>
-          <a:extLst>
-            <a:ext uri="{909E8E84-426E-40DD-AFC4-6F175D3DCCD1}">
-              <a14:hiddenFill xmlns:a14="http://schemas.microsoft.com/office/drawing/2010/main">
-                <a:solidFill>
-                  <a:srgbClr val="FFFFFF"/>
-                </a:solidFill>
-              </a14:hiddenFill>
-            </a:ext>
-          </a:extLst>
-        </p:spPr>
-      </p:pic>
-    </p:spTree>
-    <p:extLst>
-      <p:ext uri="{BB962C8B-B14F-4D97-AF65-F5344CB8AC3E}">
-        <p14:creationId xmlns:p14="http://schemas.microsoft.com/office/powerpoint/2010/main" val="837451578"/>
-      </p:ext>
-    </p:extLst>
-  </p:cSld>
-  <p:clrMapOvr>
-    <a:masterClrMapping/>
-  </p:clrMapOvr>
-</p:sld>
-</file>
-
-<file path=ppt/slides/slide28.xml><?xml version="1.0" encoding="utf-8"?>
-<p:sld xmlns:a="http://schemas.openxmlformats.org/drawingml/2006/main" xmlns:r="http://schemas.openxmlformats.org/officeDocument/2006/relationships" xmlns:p="http://schemas.openxmlformats.org/presentationml/2006/main">
-  <p:cSld>
-    <p:spTree>
-      <p:nvGrpSpPr>
-        <p:cNvPr id="1" name="">
-          <a:extLst>
-            <a:ext uri="{FF2B5EF4-FFF2-40B4-BE49-F238E27FC236}">
-              <a16:creationId xmlns:a16="http://schemas.microsoft.com/office/drawing/2014/main" id="{1DCEF581-6BA9-4461-08BA-6D16F65F3328}"/>
-            </a:ext>
-          </a:extLst>
-        </p:cNvPr>
-        <p:cNvGrpSpPr/>
-        <p:nvPr/>
-      </p:nvGrpSpPr>
-      <p:grpSpPr>
-        <a:xfrm>
-          <a:off x="0" y="0"/>
-          <a:ext cx="0" cy="0"/>
-          <a:chOff x="0" y="0"/>
-          <a:chExt cx="0" cy="0"/>
-        </a:xfrm>
-      </p:grpSpPr>
-      <p:sp>
-        <p:nvSpPr>
-          <p:cNvPr id="4" name="Rectangle 3">
-            <a:extLst>
-              <a:ext uri="{FF2B5EF4-FFF2-40B4-BE49-F238E27FC236}">
-                <a16:creationId xmlns:a16="http://schemas.microsoft.com/office/drawing/2014/main" id="{086DF1D7-4393-B6A7-D04C-55B1E5B8B731}"/>
-              </a:ext>
-            </a:extLst>
-          </p:cNvPr>
-          <p:cNvSpPr/>
-          <p:nvPr/>
-        </p:nvSpPr>
-        <p:spPr>
-          <a:xfrm>
-            <a:off x="9861630" y="0"/>
-            <a:ext cx="8426370" cy="10287000"/>
-          </a:xfrm>
-          <a:prstGeom prst="rect">
-            <a:avLst/>
-          </a:prstGeom>
-          <a:solidFill>
-            <a:srgbClr val="CF3338"/>
-          </a:solidFill>
-          <a:ln>
-            <a:noFill/>
-          </a:ln>
-        </p:spPr>
-        <p:style>
-          <a:lnRef idx="2">
-            <a:schemeClr val="accent1">
-              <a:shade val="50000"/>
-            </a:schemeClr>
-          </a:lnRef>
-          <a:fillRef idx="1">
-            <a:schemeClr val="accent1"/>
-          </a:fillRef>
-          <a:effectRef idx="0">
-            <a:schemeClr val="accent1"/>
-          </a:effectRef>
-          <a:fontRef idx="minor">
-            <a:schemeClr val="lt1"/>
-          </a:fontRef>
-        </p:style>
-        <p:txBody>
-          <a:bodyPr rtlCol="0" anchor="ctr"/>
-          <a:lstStyle/>
-          <a:p>
-            <a:pPr algn="ctr"/>
-            <a:endParaRPr lang="en-US" sz="2700"/>
-          </a:p>
-        </p:txBody>
-      </p:sp>
-      <p:pic>
-        <p:nvPicPr>
-          <p:cNvPr id="2" name="Picture 1">
-            <a:extLst>
-              <a:ext uri="{FF2B5EF4-FFF2-40B4-BE49-F238E27FC236}">
-                <a16:creationId xmlns:a16="http://schemas.microsoft.com/office/drawing/2014/main" id="{310EF924-3C1C-4586-5E9A-2810C5DAD7C2}"/>
-              </a:ext>
-            </a:extLst>
-          </p:cNvPr>
-          <p:cNvPicPr>
-            <a:picLocks noChangeAspect="1"/>
-          </p:cNvPicPr>
-          <p:nvPr/>
-        </p:nvPicPr>
-        <p:blipFill rotWithShape="1">
-          <a:blip r:embed="rId3">
-            <a:extLst>
-              <a:ext uri="{28A0092B-C50C-407E-A947-70E740481C1C}">
-                <a14:useLocalDpi xmlns:a14="http://schemas.microsoft.com/office/drawing/2010/main" val="0"/>
-              </a:ext>
-            </a:extLst>
-          </a:blip>
-          <a:srcRect l="69227" t="33418" r="20112" b="50548"/>
-          <a:stretch/>
-        </p:blipFill>
-        <p:spPr>
-          <a:xfrm>
-            <a:off x="15579524" y="7544693"/>
-            <a:ext cx="2708477" cy="2987579"/>
-          </a:xfrm>
-          <a:prstGeom prst="rect">
-            <a:avLst/>
-          </a:prstGeom>
-        </p:spPr>
-      </p:pic>
-      <p:sp>
-        <p:nvSpPr>
-          <p:cNvPr id="3" name="TextBox 2">
-            <a:extLst>
-              <a:ext uri="{FF2B5EF4-FFF2-40B4-BE49-F238E27FC236}">
-                <a16:creationId xmlns:a16="http://schemas.microsoft.com/office/drawing/2014/main" id="{9C1992D3-0543-2919-A641-F8327941676A}"/>
-              </a:ext>
-            </a:extLst>
-          </p:cNvPr>
-          <p:cNvSpPr txBox="1"/>
-          <p:nvPr/>
-        </p:nvSpPr>
-        <p:spPr>
-          <a:xfrm>
-            <a:off x="260431" y="329879"/>
-            <a:ext cx="8906720" cy="3332707"/>
-          </a:xfrm>
-          <a:prstGeom prst="rect">
-            <a:avLst/>
-          </a:prstGeom>
-          <a:noFill/>
-        </p:spPr>
-        <p:txBody>
-          <a:bodyPr wrap="square" rtlCol="0">
-            <a:spAutoFit/>
-          </a:bodyPr>
-          <a:lstStyle/>
-          <a:p>
-            <a:r>
-              <a:rPr lang="en-US" sz="6000" b="1" dirty="0">
-                <a:solidFill>
-                  <a:srgbClr val="CF3338"/>
-                </a:solidFill>
-                <a:latin typeface="Pragmatica" panose="020B0403040502020204" pitchFamily="34" charset="0"/>
-              </a:rPr>
-              <a:t>Resource: </a:t>
-            </a:r>
-            <a:r>
-              <a:rPr lang="en-US" sz="6000" b="1" i="1" dirty="0">
-                <a:solidFill>
-                  <a:srgbClr val="CF3338"/>
-                </a:solidFill>
-                <a:latin typeface="Pragmatica" panose="020B0403040502020204" pitchFamily="34" charset="0"/>
-              </a:rPr>
-              <a:t>Modern Data Analytics in Excel</a:t>
-            </a:r>
-            <a:endParaRPr lang="en-US" sz="6000" b="1" dirty="0">
-              <a:solidFill>
-                <a:srgbClr val="CF3338"/>
-              </a:solidFill>
-              <a:latin typeface="Pragmatica" panose="020B0403040502020204" pitchFamily="34" charset="0"/>
-            </a:endParaRPr>
-          </a:p>
-          <a:p>
-            <a:pPr marL="142875">
-              <a:lnSpc>
-                <a:spcPct val="115000"/>
-              </a:lnSpc>
-              <a:spcBef>
-                <a:spcPts val="1125"/>
-              </a:spcBef>
-              <a:buClr>
-                <a:srgbClr val="C00000"/>
-              </a:buClr>
-              <a:buSzPts val="2100"/>
-            </a:pPr>
-            <a:endParaRPr lang="en-US" sz="3600" dirty="0">
-              <a:solidFill>
-                <a:srgbClr val="C00000"/>
-              </a:solidFill>
-              <a:latin typeface="Pragmatica" panose="020B0403040502020204"/>
-              <a:sym typeface="Consolas"/>
-            </a:endParaRPr>
-          </a:p>
-          <a:p>
-            <a:r>
-              <a:rPr lang="en-US" sz="4000" dirty="0">
-                <a:solidFill>
-                  <a:srgbClr val="CF3338"/>
-                </a:solidFill>
-                <a:latin typeface="Pragmatica" panose="020B0403040502020204" pitchFamily="34" charset="0"/>
-              </a:rPr>
               <a:t>stringfestanalytics.com/maxl/</a:t>
             </a:r>
             <a:endParaRPr lang="en-US" sz="6000" dirty="0">
@@ -10349,7 +10853,7 @@
 </p:sld>
 </file>
 
-<file path=ppt/slides/slide29.xml><?xml version="1.0" encoding="utf-8"?>
+<file path=ppt/slides/slide31.xml><?xml version="1.0" encoding="utf-8"?>
 <p:sld xmlns:a="http://schemas.openxmlformats.org/drawingml/2006/main" xmlns:r="http://schemas.openxmlformats.org/officeDocument/2006/relationships" xmlns:p="http://schemas.openxmlformats.org/presentationml/2006/main">
   <p:cSld>
     <p:spTree>
@@ -10587,198 +11091,6 @@
     <p:extLst>
       <p:ext uri="{BB962C8B-B14F-4D97-AF65-F5344CB8AC3E}">
         <p14:creationId xmlns:p14="http://schemas.microsoft.com/office/powerpoint/2010/main" val="75588663"/>
-      </p:ext>
-    </p:extLst>
-  </p:cSld>
-  <p:clrMapOvr>
-    <a:masterClrMapping/>
-  </p:clrMapOvr>
-</p:sld>
-</file>
-
-<file path=ppt/slides/slide3.xml><?xml version="1.0" encoding="utf-8"?>
-<p:sld xmlns:a="http://schemas.openxmlformats.org/drawingml/2006/main" xmlns:r="http://schemas.openxmlformats.org/officeDocument/2006/relationships" xmlns:p="http://schemas.openxmlformats.org/presentationml/2006/main">
-  <p:cSld>
-    <p:spTree>
-      <p:nvGrpSpPr>
-        <p:cNvPr id="1" name=""/>
-        <p:cNvGrpSpPr/>
-        <p:nvPr/>
-      </p:nvGrpSpPr>
-      <p:grpSpPr>
-        <a:xfrm>
-          <a:off x="0" y="0"/>
-          <a:ext cx="0" cy="0"/>
-          <a:chOff x="0" y="0"/>
-          <a:chExt cx="0" cy="0"/>
-        </a:xfrm>
-      </p:grpSpPr>
-      <p:sp>
-        <p:nvSpPr>
-          <p:cNvPr id="11" name="TextBox 10"/>
-          <p:cNvSpPr txBox="1"/>
-          <p:nvPr/>
-        </p:nvSpPr>
-        <p:spPr>
-          <a:xfrm>
-            <a:off x="520861" y="170082"/>
-            <a:ext cx="11979797" cy="2862322"/>
-          </a:xfrm>
-          <a:prstGeom prst="rect">
-            <a:avLst/>
-          </a:prstGeom>
-          <a:noFill/>
-        </p:spPr>
-        <p:txBody>
-          <a:bodyPr wrap="square" rtlCol="0">
-            <a:spAutoFit/>
-          </a:bodyPr>
-          <a:lstStyle/>
-          <a:p>
-            <a:r>
-              <a:rPr lang="en-US" sz="9000" dirty="0">
-                <a:latin typeface="Aliens &amp; cows" panose="00000500000000000000" pitchFamily="2" charset="0"/>
-              </a:rPr>
-              <a:t>Objectives for this session</a:t>
-            </a:r>
-          </a:p>
-        </p:txBody>
-      </p:sp>
-      <p:sp>
-        <p:nvSpPr>
-          <p:cNvPr id="3" name="TextBox 2"/>
-          <p:cNvSpPr txBox="1"/>
-          <p:nvPr/>
-        </p:nvSpPr>
-        <p:spPr>
-          <a:xfrm>
-            <a:off x="520861" y="3191948"/>
-            <a:ext cx="14393120" cy="3970318"/>
-          </a:xfrm>
-          <a:prstGeom prst="rect">
-            <a:avLst/>
-          </a:prstGeom>
-          <a:noFill/>
-        </p:spPr>
-        <p:txBody>
-          <a:bodyPr wrap="square" rtlCol="0">
-            <a:spAutoFit/>
-          </a:bodyPr>
-          <a:lstStyle/>
-          <a:p>
-            <a:pPr marL="685800" indent="-685800">
-              <a:buClr>
-                <a:srgbClr val="CF3338"/>
-              </a:buClr>
-              <a:buFont typeface="Arial" panose="020B0604020202020204" pitchFamily="34" charset="0"/>
-              <a:buChar char="•"/>
-            </a:pPr>
-            <a:r>
-              <a:rPr lang="en-US" sz="4200" dirty="0">
-                <a:solidFill>
-                  <a:srgbClr val="707070"/>
-                </a:solidFill>
-                <a:latin typeface="Pragmatica" panose="020B0403040502020204" pitchFamily="34" charset="0"/>
-              </a:rPr>
-              <a:t>Learn core Python integration techniques in Excel.</a:t>
-            </a:r>
-          </a:p>
-          <a:p>
-            <a:pPr marL="685800" indent="-685800">
-              <a:buClr>
-                <a:srgbClr val="CF3338"/>
-              </a:buClr>
-              <a:buFont typeface="Arial" panose="020B0604020202020204" pitchFamily="34" charset="0"/>
-              <a:buChar char="•"/>
-            </a:pPr>
-            <a:r>
-              <a:rPr lang="en-US" sz="4200" dirty="0">
-                <a:solidFill>
-                  <a:srgbClr val="707070"/>
-                </a:solidFill>
-                <a:latin typeface="Pragmatica" panose="020B0403040502020204" pitchFamily="34" charset="0"/>
-              </a:rPr>
-              <a:t>Apply Python for complex data analysis and visualization techniques. </a:t>
-            </a:r>
-          </a:p>
-          <a:p>
-            <a:pPr marL="685800" indent="-685800">
-              <a:buClr>
-                <a:srgbClr val="CF3338"/>
-              </a:buClr>
-              <a:buFont typeface="Arial" panose="020B0604020202020204" pitchFamily="34" charset="0"/>
-              <a:buChar char="•"/>
-            </a:pPr>
-            <a:r>
-              <a:rPr lang="en-US" sz="4200" dirty="0">
-                <a:solidFill>
-                  <a:srgbClr val="707070"/>
-                </a:solidFill>
-                <a:latin typeface="Pragmatica" panose="020B0403040502020204" pitchFamily="34" charset="0"/>
-              </a:rPr>
-              <a:t>Harness generative AI and Copilot for assistance with Python tasks. </a:t>
-            </a:r>
-          </a:p>
-          <a:p>
-            <a:pPr marL="685800" indent="-685800">
-              <a:buClr>
-                <a:srgbClr val="CF3338"/>
-              </a:buClr>
-              <a:buFont typeface="Arial" panose="020B0604020202020204" pitchFamily="34" charset="0"/>
-              <a:buChar char="•"/>
-            </a:pPr>
-            <a:r>
-              <a:rPr lang="en-US" sz="4200" dirty="0">
-                <a:solidFill>
-                  <a:srgbClr val="707070"/>
-                </a:solidFill>
-                <a:latin typeface="Pragmatica" panose="020B0403040502020204" pitchFamily="34" charset="0"/>
-              </a:rPr>
-              <a:t>Master Python-driven Excel report automation. </a:t>
-            </a:r>
-          </a:p>
-        </p:txBody>
-      </p:sp>
-      <p:pic>
-        <p:nvPicPr>
-          <p:cNvPr id="15" name="Picture 14" descr="A close up of a sign&#10;&#10;Description automatically generated">
-            <a:extLst>
-              <a:ext uri="{FF2B5EF4-FFF2-40B4-BE49-F238E27FC236}">
-                <a16:creationId xmlns:a16="http://schemas.microsoft.com/office/drawing/2014/main" id="{29761B90-A7DE-4A60-A915-F085BD87CAB4}"/>
-              </a:ext>
-            </a:extLst>
-          </p:cNvPr>
-          <p:cNvPicPr>
-            <a:picLocks noChangeAspect="1"/>
-          </p:cNvPicPr>
-          <p:nvPr/>
-        </p:nvPicPr>
-        <p:blipFill>
-          <a:blip r:embed="rId2">
-            <a:extLst>
-              <a:ext uri="{28A0092B-C50C-407E-A947-70E740481C1C}">
-                <a14:useLocalDpi xmlns:a14="http://schemas.microsoft.com/office/drawing/2010/main" val="0"/>
-              </a:ext>
-            </a:extLst>
-          </a:blip>
-          <a:stretch>
-            <a:fillRect/>
-          </a:stretch>
-        </p:blipFill>
-        <p:spPr>
-          <a:xfrm>
-            <a:off x="16341036" y="8058429"/>
-            <a:ext cx="1942857" cy="2228571"/>
-          </a:xfrm>
-          <a:prstGeom prst="rect">
-            <a:avLst/>
-          </a:prstGeom>
-        </p:spPr>
-      </p:pic>
-    </p:spTree>
-    <p:extLst>
-      <p:ext uri="{BB962C8B-B14F-4D97-AF65-F5344CB8AC3E}">
-        <p14:creationId xmlns:p14="http://schemas.microsoft.com/office/powerpoint/2010/main" val="3830029867"/>
       </p:ext>
     </p:extLst>
   </p:cSld>
@@ -12041,7 +12353,7 @@
         <p:spPr>
           <a:xfrm>
             <a:off x="260431" y="329879"/>
-            <a:ext cx="8906720" cy="10234084"/>
+            <a:ext cx="8906720" cy="9310754"/>
           </a:xfrm>
           <a:prstGeom prst="rect">
             <a:avLst/>
@@ -12061,7 +12373,7 @@
                 </a:solidFill>
                 <a:latin typeface="Pragmatica" panose="020B0403040502020204" pitchFamily="34" charset="0"/>
               </a:rPr>
-              <a:t>From “that’s hard in Excel” to “that’s easy in Python” analysis</a:t>
+              <a:t>Visualizing data with Python in Excel</a:t>
             </a:r>
           </a:p>
           <a:p>
@@ -12204,7 +12516,7 @@
                 <a:latin typeface="Consolas" panose="020B0609020204030204" pitchFamily="49" charset="0"/>
                 <a:sym typeface="Consolas"/>
               </a:rPr>
-              <a:t>hard-excel-easy-python-analysis.xlsx</a:t>
+              <a:t>analyzing-data-with-python-in-excel.xlsx</a:t>
             </a:r>
             <a:endParaRPr lang="en-US" sz="6000" dirty="0">
               <a:solidFill>
